--- a/spring12/slidesS12/bookkeeper-multinomial.pptx
+++ b/spring12/slidesS12/bookkeeper-multinomial.pptx
@@ -5,33 +5,34 @@
     <p:sldMasterId id="2147483650" r:id="rId1"/>
   </p:sldMasterIdLst>
   <p:notesMasterIdLst>
-    <p:notesMasterId r:id="rId18"/>
+    <p:notesMasterId r:id="rId19"/>
   </p:notesMasterIdLst>
   <p:handoutMasterIdLst>
-    <p:handoutMasterId r:id="rId19"/>
+    <p:handoutMasterId r:id="rId20"/>
   </p:handoutMasterIdLst>
   <p:sldIdLst>
     <p:sldId id="524" r:id="rId2"/>
     <p:sldId id="560" r:id="rId3"/>
     <p:sldId id="561" r:id="rId4"/>
-    <p:sldId id="548" r:id="rId5"/>
-    <p:sldId id="549" r:id="rId6"/>
-    <p:sldId id="550" r:id="rId7"/>
-    <p:sldId id="562" r:id="rId8"/>
-    <p:sldId id="551" r:id="rId9"/>
-    <p:sldId id="552" r:id="rId10"/>
-    <p:sldId id="553" r:id="rId11"/>
-    <p:sldId id="554" r:id="rId12"/>
-    <p:sldId id="555" r:id="rId13"/>
+    <p:sldId id="557" r:id="rId5"/>
+    <p:sldId id="548" r:id="rId6"/>
+    <p:sldId id="549" r:id="rId7"/>
+    <p:sldId id="550" r:id="rId8"/>
+    <p:sldId id="562" r:id="rId9"/>
+    <p:sldId id="551" r:id="rId10"/>
+    <p:sldId id="552" r:id="rId11"/>
+    <p:sldId id="553" r:id="rId12"/>
+    <p:sldId id="554" r:id="rId13"/>
     <p:sldId id="556" r:id="rId14"/>
-    <p:sldId id="557" r:id="rId15"/>
-    <p:sldId id="558" r:id="rId16"/>
-    <p:sldId id="559" r:id="rId17"/>
+    <p:sldId id="564" r:id="rId15"/>
+    <p:sldId id="555" r:id="rId16"/>
+    <p:sldId id="558" r:id="rId17"/>
+    <p:sldId id="559" r:id="rId18"/>
   </p:sldIdLst>
   <p:sldSz cx="9144000" cy="6858000" type="screen4x3"/>
   <p:notesSz cx="9601200" cy="7315200"/>
   <p:custDataLst>
-    <p:tags r:id="rId21"/>
+    <p:tags r:id="rId22"/>
   </p:custDataLst>
   <p:defaultTextStyle>
     <a:defPPr>
@@ -1150,7 +1151,7 @@
       </p:sp>
       <p:sp>
         <p:nvSpPr>
-          <p:cNvPr id="189442" name="Text Box 2"/>
+          <p:cNvPr id="187394" name="Text Box 2"/>
           <p:cNvSpPr txBox="1">
             <a:spLocks noGrp="1" noChangeArrowheads="1"/>
           </p:cNvSpPr>
@@ -1195,7 +1196,7 @@
       </p:sp>
       <p:sp>
         <p:nvSpPr>
-          <p:cNvPr id="189443" name="Text Box 3"/>
+          <p:cNvPr id="187395" name="Text Box 3"/>
           <p:cNvSpPr txBox="1">
             <a:spLocks noGrp="1" noChangeArrowheads="1"/>
           </p:cNvSpPr>
@@ -1233,14 +1234,14 @@
               <a:rPr lang="en-US" sz="1300">
                 <a:latin typeface="Times New Roman" pitchFamily="18" charset="0"/>
               </a:rPr>
-              <a:t>17</a:t>
+              <a:t>15</a:t>
             </a:r>
           </a:p>
         </p:txBody>
       </p:sp>
       <p:sp>
         <p:nvSpPr>
-          <p:cNvPr id="189444" name="Rectangle 4"/>
+          <p:cNvPr id="187396" name="Rectangle 4"/>
           <p:cNvSpPr>
             <a:spLocks noGrp="1" noRot="1" noChangeAspect="1" noChangeArrowheads="1" noTextEdit="1"/>
           </p:cNvSpPr>
@@ -1329,7 +1330,7 @@
       </p:sp>
       <p:sp>
         <p:nvSpPr>
-          <p:cNvPr id="186370" name="Text Box 2"/>
+          <p:cNvPr id="189442" name="Text Box 2"/>
           <p:cNvSpPr txBox="1">
             <a:spLocks noGrp="1" noChangeArrowheads="1"/>
           </p:cNvSpPr>
@@ -1374,7 +1375,7 @@
       </p:sp>
       <p:sp>
         <p:nvSpPr>
-          <p:cNvPr id="186371" name="Text Box 3"/>
+          <p:cNvPr id="189443" name="Text Box 3"/>
           <p:cNvSpPr txBox="1">
             <a:spLocks noGrp="1" noChangeArrowheads="1"/>
           </p:cNvSpPr>
@@ -1412,14 +1413,14 @@
               <a:rPr lang="en-US" sz="1300">
                 <a:latin typeface="Times New Roman" pitchFamily="18" charset="0"/>
               </a:rPr>
-              <a:t>14</a:t>
+              <a:t>17</a:t>
             </a:r>
           </a:p>
         </p:txBody>
       </p:sp>
       <p:sp>
         <p:nvSpPr>
-          <p:cNvPr id="186372" name="Rectangle 4"/>
+          <p:cNvPr id="189444" name="Rectangle 4"/>
           <p:cNvSpPr>
             <a:spLocks noGrp="1" noRot="1" noChangeAspect="1" noChangeArrowheads="1" noTextEdit="1"/>
           </p:cNvSpPr>
@@ -1687,6 +1688,364 @@
       </p:sp>
       <p:sp>
         <p:nvSpPr>
+          <p:cNvPr id="190466" name="Text Box 2"/>
+          <p:cNvSpPr txBox="1">
+            <a:spLocks noGrp="1" noChangeArrowheads="1"/>
+          </p:cNvSpPr>
+          <p:nvPr/>
+        </p:nvSpPr>
+        <p:spPr bwMode="auto">
+          <a:xfrm>
+            <a:off x="5442347" y="6949924"/>
+            <a:ext cx="4158853" cy="365276"/>
+          </a:xfrm>
+          <a:prstGeom prst="rect">
+            <a:avLst/>
+          </a:prstGeom>
+          <a:noFill/>
+          <a:ln w="9525">
+            <a:noFill/>
+            <a:miter lim="800000"/>
+            <a:headEnd/>
+            <a:tailEnd/>
+          </a:ln>
+        </p:spPr>
+        <p:txBody>
+          <a:bodyPr lIns="96660" tIns="48330" rIns="96660" bIns="48330" anchor="b"/>
+          <a:lstStyle/>
+          <a:p>
+            <a:pPr algn="r" defTabSz="966788" fontAlgn="base">
+              <a:spcBef>
+                <a:spcPct val="0"/>
+              </a:spcBef>
+              <a:spcAft>
+                <a:spcPct val="0"/>
+              </a:spcAft>
+            </a:pPr>
+            <a:r>
+              <a:rPr lang="en-US" sz="1300">
+                <a:latin typeface="Times New Roman" pitchFamily="18" charset="0"/>
+              </a:rPr>
+              <a:t>‹#›</a:t>
+            </a:r>
+          </a:p>
+        </p:txBody>
+      </p:sp>
+      <p:sp>
+        <p:nvSpPr>
+          <p:cNvPr id="190467" name="Text Box 3"/>
+          <p:cNvSpPr txBox="1">
+            <a:spLocks noGrp="1" noChangeArrowheads="1"/>
+          </p:cNvSpPr>
+          <p:nvPr/>
+        </p:nvSpPr>
+        <p:spPr bwMode="auto">
+          <a:xfrm>
+            <a:off x="5442347" y="6949924"/>
+            <a:ext cx="4158853" cy="365276"/>
+          </a:xfrm>
+          <a:prstGeom prst="rect">
+            <a:avLst/>
+          </a:prstGeom>
+          <a:noFill/>
+          <a:ln w="9525">
+            <a:noFill/>
+            <a:miter lim="800000"/>
+            <a:headEnd/>
+            <a:tailEnd/>
+          </a:ln>
+        </p:spPr>
+        <p:txBody>
+          <a:bodyPr lIns="96660" tIns="48330" rIns="96660" bIns="48330" anchor="b"/>
+          <a:lstStyle/>
+          <a:p>
+            <a:pPr algn="r" defTabSz="966788" fontAlgn="base">
+              <a:spcBef>
+                <a:spcPct val="0"/>
+              </a:spcBef>
+              <a:spcAft>
+                <a:spcPct val="0"/>
+              </a:spcAft>
+            </a:pPr>
+            <a:r>
+              <a:rPr lang="en-US" sz="1300">
+                <a:latin typeface="Times New Roman" pitchFamily="18" charset="0"/>
+              </a:rPr>
+              <a:t>18</a:t>
+            </a:r>
+          </a:p>
+        </p:txBody>
+      </p:sp>
+      <p:sp>
+        <p:nvSpPr>
+          <p:cNvPr id="190468" name="Rectangle 4"/>
+          <p:cNvSpPr>
+            <a:spLocks noGrp="1" noRot="1" noChangeAspect="1" noChangeArrowheads="1" noTextEdit="1"/>
+          </p:cNvSpPr>
+          <p:nvPr>
+            <p:ph type="sldImg"/>
+          </p:nvPr>
+        </p:nvSpPr>
+        <p:spPr>
+          <a:ln/>
+        </p:spPr>
+      </p:sp>
+      <p:sp>
+        <p:nvSpPr>
+          <p:cNvPr id="7173" name="Rectangle 5"/>
+          <p:cNvSpPr>
+            <a:spLocks noGrp="1" noChangeArrowheads="1"/>
+          </p:cNvSpPr>
+          <p:nvPr>
+            <p:ph type="body" idx="1"/>
+          </p:nvPr>
+        </p:nvSpPr>
+        <p:spPr>
+          <a:noFill/>
+          <a:ln/>
+        </p:spPr>
+        <p:txBody>
+          <a:bodyPr/>
+          <a:lstStyle/>
+          <a:p>
+            <a:pPr eaLnBrk="1" hangingPunct="1"/>
+            <a:endParaRPr lang="en-US"/>
+          </a:p>
+        </p:txBody>
+      </p:sp>
+    </p:spTree>
+  </p:cSld>
+  <p:clrMapOvr>
+    <a:masterClrMapping/>
+  </p:clrMapOvr>
+</p:notes>
+</file>
+
+<file path=ppt/notesSlides/notesSlide15.xml><?xml version="1.0" encoding="utf-8"?>
+<p:notes xmlns:a="http://schemas.openxmlformats.org/drawingml/2006/main" xmlns:r="http://schemas.openxmlformats.org/officeDocument/2006/relationships" xmlns:p="http://schemas.openxmlformats.org/presentationml/2006/main">
+  <p:cSld>
+    <p:spTree>
+      <p:nvGrpSpPr>
+        <p:cNvPr id="1" name=""/>
+        <p:cNvGrpSpPr/>
+        <p:nvPr/>
+      </p:nvGrpSpPr>
+      <p:grpSpPr>
+        <a:xfrm>
+          <a:off x="0" y="0"/>
+          <a:ext cx="0" cy="0"/>
+          <a:chOff x="0" y="0"/>
+          <a:chExt cx="0" cy="0"/>
+        </a:xfrm>
+      </p:grpSpPr>
+      <p:sp>
+        <p:nvSpPr>
+          <p:cNvPr id="9" name="Rectangle 7"/>
+          <p:cNvSpPr>
+            <a:spLocks noGrp="1" noChangeArrowheads="1"/>
+          </p:cNvSpPr>
+          <p:nvPr>
+            <p:ph type="sldNum" sz="quarter" idx="5"/>
+          </p:nvPr>
+        </p:nvSpPr>
+        <p:spPr>
+          <a:ln/>
+        </p:spPr>
+        <p:txBody>
+          <a:bodyPr/>
+          <a:lstStyle/>
+          <a:p>
+            <a:pPr>
+              <a:defRPr/>
+            </a:pPr>
+            <a:r>
+              <a:rPr lang="en-US"/>
+              <a:t>‹#›</a:t>
+            </a:r>
+          </a:p>
+        </p:txBody>
+      </p:sp>
+      <p:sp>
+        <p:nvSpPr>
+          <p:cNvPr id="186370" name="Text Box 2"/>
+          <p:cNvSpPr txBox="1">
+            <a:spLocks noGrp="1" noChangeArrowheads="1"/>
+          </p:cNvSpPr>
+          <p:nvPr/>
+        </p:nvSpPr>
+        <p:spPr bwMode="auto">
+          <a:xfrm>
+            <a:off x="5442347" y="6949924"/>
+            <a:ext cx="4158853" cy="365276"/>
+          </a:xfrm>
+          <a:prstGeom prst="rect">
+            <a:avLst/>
+          </a:prstGeom>
+          <a:noFill/>
+          <a:ln w="9525">
+            <a:noFill/>
+            <a:miter lim="800000"/>
+            <a:headEnd/>
+            <a:tailEnd/>
+          </a:ln>
+        </p:spPr>
+        <p:txBody>
+          <a:bodyPr lIns="96660" tIns="48330" rIns="96660" bIns="48330" anchor="b"/>
+          <a:lstStyle/>
+          <a:p>
+            <a:pPr algn="r" defTabSz="966788" fontAlgn="base">
+              <a:spcBef>
+                <a:spcPct val="0"/>
+              </a:spcBef>
+              <a:spcAft>
+                <a:spcPct val="0"/>
+              </a:spcAft>
+            </a:pPr>
+            <a:r>
+              <a:rPr lang="en-US" sz="1300">
+                <a:latin typeface="Times New Roman" pitchFamily="18" charset="0"/>
+              </a:rPr>
+              <a:t>‹#›</a:t>
+            </a:r>
+          </a:p>
+        </p:txBody>
+      </p:sp>
+      <p:sp>
+        <p:nvSpPr>
+          <p:cNvPr id="186371" name="Text Box 3"/>
+          <p:cNvSpPr txBox="1">
+            <a:spLocks noGrp="1" noChangeArrowheads="1"/>
+          </p:cNvSpPr>
+          <p:nvPr/>
+        </p:nvSpPr>
+        <p:spPr bwMode="auto">
+          <a:xfrm>
+            <a:off x="5442347" y="6949924"/>
+            <a:ext cx="4158853" cy="365276"/>
+          </a:xfrm>
+          <a:prstGeom prst="rect">
+            <a:avLst/>
+          </a:prstGeom>
+          <a:noFill/>
+          <a:ln w="9525">
+            <a:noFill/>
+            <a:miter lim="800000"/>
+            <a:headEnd/>
+            <a:tailEnd/>
+          </a:ln>
+        </p:spPr>
+        <p:txBody>
+          <a:bodyPr lIns="96660" tIns="48330" rIns="96660" bIns="48330" anchor="b"/>
+          <a:lstStyle/>
+          <a:p>
+            <a:pPr algn="r" defTabSz="966788" fontAlgn="base">
+              <a:spcBef>
+                <a:spcPct val="0"/>
+              </a:spcBef>
+              <a:spcAft>
+                <a:spcPct val="0"/>
+              </a:spcAft>
+            </a:pPr>
+            <a:r>
+              <a:rPr lang="en-US" sz="1300">
+                <a:latin typeface="Times New Roman" pitchFamily="18" charset="0"/>
+              </a:rPr>
+              <a:t>14</a:t>
+            </a:r>
+          </a:p>
+        </p:txBody>
+      </p:sp>
+      <p:sp>
+        <p:nvSpPr>
+          <p:cNvPr id="186372" name="Rectangle 4"/>
+          <p:cNvSpPr>
+            <a:spLocks noGrp="1" noRot="1" noChangeAspect="1" noChangeArrowheads="1" noTextEdit="1"/>
+          </p:cNvSpPr>
+          <p:nvPr>
+            <p:ph type="sldImg"/>
+          </p:nvPr>
+        </p:nvSpPr>
+        <p:spPr>
+          <a:ln/>
+        </p:spPr>
+      </p:sp>
+      <p:sp>
+        <p:nvSpPr>
+          <p:cNvPr id="7173" name="Rectangle 5"/>
+          <p:cNvSpPr>
+            <a:spLocks noGrp="1" noChangeArrowheads="1"/>
+          </p:cNvSpPr>
+          <p:nvPr>
+            <p:ph type="body" idx="1"/>
+          </p:nvPr>
+        </p:nvSpPr>
+        <p:spPr>
+          <a:noFill/>
+          <a:ln/>
+        </p:spPr>
+        <p:txBody>
+          <a:bodyPr/>
+          <a:lstStyle/>
+          <a:p>
+            <a:pPr eaLnBrk="1" hangingPunct="1"/>
+            <a:endParaRPr lang="en-US"/>
+          </a:p>
+        </p:txBody>
+      </p:sp>
+    </p:spTree>
+  </p:cSld>
+  <p:clrMapOvr>
+    <a:masterClrMapping/>
+  </p:clrMapOvr>
+</p:notes>
+</file>
+
+<file path=ppt/notesSlides/notesSlide16.xml><?xml version="1.0" encoding="utf-8"?>
+<p:notes xmlns:a="http://schemas.openxmlformats.org/drawingml/2006/main" xmlns:r="http://schemas.openxmlformats.org/officeDocument/2006/relationships" xmlns:p="http://schemas.openxmlformats.org/presentationml/2006/main">
+  <p:cSld>
+    <p:spTree>
+      <p:nvGrpSpPr>
+        <p:cNvPr id="1" name=""/>
+        <p:cNvGrpSpPr/>
+        <p:nvPr/>
+      </p:nvGrpSpPr>
+      <p:grpSpPr>
+        <a:xfrm>
+          <a:off x="0" y="0"/>
+          <a:ext cx="0" cy="0"/>
+          <a:chOff x="0" y="0"/>
+          <a:chExt cx="0" cy="0"/>
+        </a:xfrm>
+      </p:grpSpPr>
+      <p:sp>
+        <p:nvSpPr>
+          <p:cNvPr id="9" name="Rectangle 7"/>
+          <p:cNvSpPr>
+            <a:spLocks noGrp="1" noChangeArrowheads="1"/>
+          </p:cNvSpPr>
+          <p:nvPr>
+            <p:ph type="sldNum" sz="quarter" idx="5"/>
+          </p:nvPr>
+        </p:nvSpPr>
+        <p:spPr>
+          <a:ln/>
+        </p:spPr>
+        <p:txBody>
+          <a:bodyPr/>
+          <a:lstStyle/>
+          <a:p>
+            <a:pPr>
+              <a:defRPr/>
+            </a:pPr>
+            <a:r>
+              <a:rPr lang="en-US"/>
+              <a:t>‹#›</a:t>
+            </a:r>
+          </a:p>
+        </p:txBody>
+      </p:sp>
+      <p:sp>
+        <p:nvSpPr>
           <p:cNvPr id="192514" name="Text Box 2"/>
           <p:cNvSpPr txBox="1">
             <a:spLocks noGrp="1" noChangeArrowheads="1"/>
@@ -1820,7 +2179,7 @@
 </p:notes>
 </file>
 
-<file path=ppt/notesSlides/notesSlide15.xml><?xml version="1.0" encoding="utf-8"?>
+<file path=ppt/notesSlides/notesSlide17.xml><?xml version="1.0" encoding="utf-8"?>
 <p:notes xmlns:a="http://schemas.openxmlformats.org/drawingml/2006/main" xmlns:r="http://schemas.openxmlformats.org/officeDocument/2006/relationships" xmlns:p="http://schemas.openxmlformats.org/presentationml/2006/main">
   <p:cSld>
     <p:spTree>
@@ -2192,159 +2551,70 @@
       </p:grpSpPr>
       <p:sp>
         <p:nvSpPr>
-          <p:cNvPr id="9" name="Rectangle 7"/>
+          <p:cNvPr id="2" name="Slide Image Placeholder 1"/>
           <p:cNvSpPr>
-            <a:spLocks noGrp="1" noChangeArrowheads="1"/>
-          </p:cNvSpPr>
-          <p:nvPr>
-            <p:ph type="sldNum" sz="quarter" idx="5"/>
-          </p:nvPr>
-        </p:nvSpPr>
-        <p:spPr>
-          <a:ln/>
-        </p:spPr>
-        <p:txBody>
-          <a:bodyPr/>
-          <a:lstStyle/>
-          <a:p>
-            <a:pPr>
-              <a:defRPr/>
-            </a:pPr>
-            <a:r>
-              <a:rPr lang="en-US"/>
-              <a:t>‹#›</a:t>
-            </a:r>
-          </a:p>
-        </p:txBody>
-      </p:sp>
-      <p:sp>
-        <p:nvSpPr>
-          <p:cNvPr id="182274" name="Text Box 2"/>
-          <p:cNvSpPr txBox="1">
-            <a:spLocks noGrp="1" noChangeArrowheads="1"/>
-          </p:cNvSpPr>
-          <p:nvPr/>
-        </p:nvSpPr>
-        <p:spPr bwMode="auto">
-          <a:xfrm>
-            <a:off x="5442347" y="6949924"/>
-            <a:ext cx="4158853" cy="365276"/>
-          </a:xfrm>
-          <a:prstGeom prst="rect">
-            <a:avLst/>
-          </a:prstGeom>
-          <a:noFill/>
-          <a:ln w="9525">
-            <a:noFill/>
-            <a:miter lim="800000"/>
-            <a:headEnd/>
-            <a:tailEnd/>
-          </a:ln>
-        </p:spPr>
-        <p:txBody>
-          <a:bodyPr lIns="96660" tIns="48330" rIns="96660" bIns="48330" anchor="b"/>
-          <a:lstStyle/>
-          <a:p>
-            <a:pPr algn="r" defTabSz="966788" fontAlgn="base">
-              <a:spcBef>
-                <a:spcPct val="0"/>
-              </a:spcBef>
-              <a:spcAft>
-                <a:spcPct val="0"/>
-              </a:spcAft>
-            </a:pPr>
-            <a:r>
-              <a:rPr lang="en-US" sz="1300">
-                <a:latin typeface="Times New Roman" pitchFamily="18" charset="0"/>
-              </a:rPr>
-              <a:t>‹#›</a:t>
-            </a:r>
-          </a:p>
-        </p:txBody>
-      </p:sp>
-      <p:sp>
-        <p:nvSpPr>
-          <p:cNvPr id="182275" name="Text Box 3"/>
-          <p:cNvSpPr txBox="1">
-            <a:spLocks noGrp="1" noChangeArrowheads="1"/>
-          </p:cNvSpPr>
-          <p:nvPr/>
-        </p:nvSpPr>
-        <p:spPr bwMode="auto">
-          <a:xfrm>
-            <a:off x="5442347" y="6949924"/>
-            <a:ext cx="4158853" cy="365276"/>
-          </a:xfrm>
-          <a:prstGeom prst="rect">
-            <a:avLst/>
-          </a:prstGeom>
-          <a:noFill/>
-          <a:ln w="9525">
-            <a:noFill/>
-            <a:miter lim="800000"/>
-            <a:headEnd/>
-            <a:tailEnd/>
-          </a:ln>
-        </p:spPr>
-        <p:txBody>
-          <a:bodyPr lIns="96660" tIns="48330" rIns="96660" bIns="48330" anchor="b"/>
-          <a:lstStyle/>
-          <a:p>
-            <a:pPr algn="r" defTabSz="966788" fontAlgn="base">
-              <a:spcBef>
-                <a:spcPct val="0"/>
-              </a:spcBef>
-              <a:spcAft>
-                <a:spcPct val="0"/>
-              </a:spcAft>
-            </a:pPr>
-            <a:r>
-              <a:rPr lang="en-US" sz="1300">
-                <a:latin typeface="Times New Roman" pitchFamily="18" charset="0"/>
-              </a:rPr>
-              <a:t>10</a:t>
-            </a:r>
-          </a:p>
-        </p:txBody>
-      </p:sp>
-      <p:sp>
-        <p:nvSpPr>
-          <p:cNvPr id="182276" name="Rectangle 4"/>
-          <p:cNvSpPr>
-            <a:spLocks noGrp="1" noRot="1" noChangeAspect="1" noChangeArrowheads="1" noTextEdit="1"/>
+            <a:spLocks noGrp="1" noRot="1" noChangeAspect="1"/>
           </p:cNvSpPr>
           <p:nvPr>
             <p:ph type="sldImg"/>
           </p:nvPr>
         </p:nvSpPr>
-        <p:spPr>
-          <a:ln/>
-        </p:spPr>
+        <p:spPr/>
       </p:sp>
       <p:sp>
         <p:nvSpPr>
-          <p:cNvPr id="7173" name="Rectangle 5"/>
+          <p:cNvPr id="3" name="Notes Placeholder 2"/>
           <p:cNvSpPr>
-            <a:spLocks noGrp="1" noChangeArrowheads="1"/>
+            <a:spLocks noGrp="1"/>
           </p:cNvSpPr>
           <p:nvPr>
             <p:ph type="body" idx="1"/>
           </p:nvPr>
         </p:nvSpPr>
-        <p:spPr>
-          <a:noFill/>
-          <a:ln/>
-        </p:spPr>
+        <p:spPr/>
         <p:txBody>
           <a:bodyPr/>
           <a:lstStyle/>
           <a:p>
-            <a:pPr eaLnBrk="1" hangingPunct="1"/>
+            <a:endParaRPr lang="en-US"/>
+          </a:p>
+        </p:txBody>
+      </p:sp>
+      <p:sp>
+        <p:nvSpPr>
+          <p:cNvPr id="4" name="Slide Number Placeholder 3"/>
+          <p:cNvSpPr>
+            <a:spLocks noGrp="1"/>
+          </p:cNvSpPr>
+          <p:nvPr>
+            <p:ph type="sldNum" sz="quarter" idx="10"/>
+          </p:nvPr>
+        </p:nvSpPr>
+        <p:spPr/>
+        <p:txBody>
+          <a:bodyPr/>
+          <a:lstStyle/>
+          <a:p>
+            <a:pPr>
+              <a:defRPr/>
+            </a:pPr>
+            <a:fld id="{3CEF7F18-8A39-49EB-9CDF-FF5A6BB51D93}" type="slidenum">
+              <a:rPr lang="en-US" smtClean="0"/>
+              <a:pPr>
+                <a:defRPr/>
+              </a:pPr>
+              <a:t>4</a:t>
+            </a:fld>
             <a:endParaRPr lang="en-US"/>
           </a:p>
         </p:txBody>
       </p:sp>
     </p:spTree>
+    <p:extLst>
+      <p:ext uri="{BB962C8B-B14F-4D97-AF65-F5344CB8AC3E}">
+        <p14:creationId xmlns:p14="http://schemas.microsoft.com/office/powerpoint/2010/main" val="1356190300"/>
+      </p:ext>
+    </p:extLst>
   </p:cSld>
   <p:clrMapOvr>
     <a:masterClrMapping/>
@@ -2398,7 +2668,7 @@
       </p:sp>
       <p:sp>
         <p:nvSpPr>
-          <p:cNvPr id="183298" name="Text Box 2"/>
+          <p:cNvPr id="182274" name="Text Box 2"/>
           <p:cNvSpPr txBox="1">
             <a:spLocks noGrp="1" noChangeArrowheads="1"/>
           </p:cNvSpPr>
@@ -2443,7 +2713,7 @@
       </p:sp>
       <p:sp>
         <p:nvSpPr>
-          <p:cNvPr id="183299" name="Text Box 3"/>
+          <p:cNvPr id="182275" name="Text Box 3"/>
           <p:cNvSpPr txBox="1">
             <a:spLocks noGrp="1" noChangeArrowheads="1"/>
           </p:cNvSpPr>
@@ -2481,14 +2751,14 @@
               <a:rPr lang="en-US" sz="1300">
                 <a:latin typeface="Times New Roman" pitchFamily="18" charset="0"/>
               </a:rPr>
-              <a:t>11</a:t>
+              <a:t>10</a:t>
             </a:r>
           </a:p>
         </p:txBody>
       </p:sp>
       <p:sp>
         <p:nvSpPr>
-          <p:cNvPr id="183300" name="Rectangle 4"/>
+          <p:cNvPr id="182276" name="Rectangle 4"/>
           <p:cNvSpPr>
             <a:spLocks noGrp="1" noRot="1" noChangeAspect="1" noChangeArrowheads="1" noTextEdit="1"/>
           </p:cNvSpPr>
@@ -2935,7 +3205,7 @@
       </p:sp>
       <p:sp>
         <p:nvSpPr>
-          <p:cNvPr id="185346" name="Text Box 2"/>
+          <p:cNvPr id="183298" name="Text Box 2"/>
           <p:cNvSpPr txBox="1">
             <a:spLocks noGrp="1" noChangeArrowheads="1"/>
           </p:cNvSpPr>
@@ -2980,7 +3250,7 @@
       </p:sp>
       <p:sp>
         <p:nvSpPr>
-          <p:cNvPr id="185347" name="Text Box 3"/>
+          <p:cNvPr id="183299" name="Text Box 3"/>
           <p:cNvSpPr txBox="1">
             <a:spLocks noGrp="1" noChangeArrowheads="1"/>
           </p:cNvSpPr>
@@ -3018,14 +3288,14 @@
               <a:rPr lang="en-US" sz="1300">
                 <a:latin typeface="Times New Roman" pitchFamily="18" charset="0"/>
               </a:rPr>
-              <a:t>13</a:t>
+              <a:t>11</a:t>
             </a:r>
           </a:p>
         </p:txBody>
       </p:sp>
       <p:sp>
         <p:nvSpPr>
-          <p:cNvPr id="185348" name="Rectangle 4"/>
+          <p:cNvPr id="183300" name="Rectangle 4"/>
           <p:cNvSpPr>
             <a:spLocks noGrp="1" noRot="1" noChangeAspect="1" noChangeArrowheads="1" noTextEdit="1"/>
           </p:cNvSpPr>
@@ -3114,7 +3384,7 @@
       </p:sp>
       <p:sp>
         <p:nvSpPr>
-          <p:cNvPr id="187394" name="Text Box 2"/>
+          <p:cNvPr id="185346" name="Text Box 2"/>
           <p:cNvSpPr txBox="1">
             <a:spLocks noGrp="1" noChangeArrowheads="1"/>
           </p:cNvSpPr>
@@ -3159,7 +3429,7 @@
       </p:sp>
       <p:sp>
         <p:nvSpPr>
-          <p:cNvPr id="187395" name="Text Box 3"/>
+          <p:cNvPr id="185347" name="Text Box 3"/>
           <p:cNvSpPr txBox="1">
             <a:spLocks noGrp="1" noChangeArrowheads="1"/>
           </p:cNvSpPr>
@@ -3197,14 +3467,14 @@
               <a:rPr lang="en-US" sz="1300">
                 <a:latin typeface="Times New Roman" pitchFamily="18" charset="0"/>
               </a:rPr>
-              <a:t>15</a:t>
+              <a:t>13</a:t>
             </a:r>
           </a:p>
         </p:txBody>
       </p:sp>
       <p:sp>
         <p:nvSpPr>
-          <p:cNvPr id="187396" name="Rectangle 4"/>
+          <p:cNvPr id="185348" name="Rectangle 4"/>
           <p:cNvSpPr>
             <a:spLocks noGrp="1" noRot="1" noChangeAspect="1" noChangeArrowheads="1" noTextEdit="1"/>
           </p:cNvSpPr>
@@ -4609,8 +4879,8 @@
         </p:nvSpPr>
         <p:spPr bwMode="auto">
           <a:xfrm>
-            <a:off x="323850" y="1752600"/>
-            <a:ext cx="8515350" cy="3327400"/>
+            <a:off x="212610" y="1752599"/>
+            <a:ext cx="8714700" cy="3327743"/>
           </a:xfrm>
           <a:prstGeom prst="rect">
             <a:avLst/>
@@ -4635,7 +4905,16 @@
                 </a:solidFill>
                 <a:latin typeface="Comic Sans MS" pitchFamily="66" charset="0"/>
               </a:rPr>
-              <a:t>Bookkeeper Rule </a:t>
+              <a:t>Bookkeeper </a:t>
+            </a:r>
+            <a:r>
+              <a:rPr lang="en-US" sz="6600" b="1" dirty="0" smtClean="0">
+                <a:solidFill>
+                  <a:schemeClr val="tx2"/>
+                </a:solidFill>
+                <a:latin typeface="Comic Sans MS" pitchFamily="66" charset="0"/>
+              </a:rPr>
+              <a:t>Rule </a:t>
             </a:r>
             <a:r>
               <a:rPr lang="en-US" sz="6600" b="1" dirty="0" smtClean="0">
@@ -4674,6 +4953,565 @@
 </file>
 
 <file path=ppt/slides/slide10.xml><?xml version="1.0" encoding="utf-8"?>
+<p:sld xmlns:a="http://schemas.openxmlformats.org/drawingml/2006/main" xmlns:r="http://schemas.openxmlformats.org/officeDocument/2006/relationships" xmlns:p="http://schemas.openxmlformats.org/presentationml/2006/main">
+  <p:cSld>
+    <p:spTree>
+      <p:nvGrpSpPr>
+        <p:cNvPr id="1" name=""/>
+        <p:cNvGrpSpPr/>
+        <p:nvPr/>
+      </p:nvGrpSpPr>
+      <p:grpSpPr>
+        <a:xfrm>
+          <a:off x="0" y="0"/>
+          <a:ext cx="0" cy="0"/>
+          <a:chOff x="0" y="0"/>
+          <a:chExt cx="0" cy="0"/>
+        </a:xfrm>
+      </p:grpSpPr>
+      <p:sp>
+        <p:nvSpPr>
+          <p:cNvPr id="587780" name="Text Box 4"/>
+          <p:cNvSpPr txBox="1">
+            <a:spLocks noChangeArrowheads="1"/>
+          </p:cNvSpPr>
+          <p:nvPr/>
+        </p:nvSpPr>
+        <p:spPr bwMode="auto">
+          <a:xfrm>
+            <a:off x="1524000" y="4191001"/>
+            <a:ext cx="6019800" cy="2355850"/>
+          </a:xfrm>
+          <a:prstGeom prst="rect">
+            <a:avLst/>
+          </a:prstGeom>
+          <a:noFill/>
+          <a:ln w="38100" cap="sq">
+            <a:solidFill>
+              <a:srgbClr val="006600"/>
+            </a:solidFill>
+            <a:miter lim="800000"/>
+            <a:headEnd/>
+            <a:tailEnd/>
+          </a:ln>
+        </p:spPr>
+        <p:txBody>
+          <a:bodyPr wrap="square" lIns="274320" rIns="274320" anchor="ctr">
+            <a:spAutoFit/>
+          </a:bodyPr>
+          <a:lstStyle/>
+          <a:p>
+            <a:pPr eaLnBrk="0" fontAlgn="base" hangingPunct="0">
+              <a:spcBef>
+                <a:spcPct val="0"/>
+              </a:spcBef>
+              <a:spcAft>
+                <a:spcPct val="0"/>
+              </a:spcAft>
+            </a:pPr>
+            <a:r>
+              <a:rPr lang="en-US" sz="3600" dirty="0">
+                <a:latin typeface="Comic Sans MS" pitchFamily="66" charset="0"/>
+              </a:rPr>
+              <a:t>The number of ways to rearrange the letters in the word</a:t>
+            </a:r>
+          </a:p>
+          <a:p>
+            <a:pPr algn="ctr" eaLnBrk="0" fontAlgn="base" hangingPunct="0">
+              <a:spcBef>
+                <a:spcPct val="0"/>
+              </a:spcBef>
+              <a:spcAft>
+                <a:spcPct val="0"/>
+              </a:spcAft>
+            </a:pPr>
+            <a:r>
+              <a:rPr lang="en-US" sz="3600" dirty="0">
+                <a:solidFill>
+                  <a:srgbClr val="0000FF"/>
+                </a:solidFill>
+                <a:latin typeface="Comic Sans MS" pitchFamily="66" charset="0"/>
+              </a:rPr>
+              <a:t>BANANA</a:t>
+            </a:r>
+          </a:p>
+        </p:txBody>
+      </p:sp>
+      <p:sp>
+        <p:nvSpPr>
+          <p:cNvPr id="587778" name="Rectangle 2"/>
+          <p:cNvSpPr>
+            <a:spLocks noChangeArrowheads="1"/>
+          </p:cNvSpPr>
+          <p:nvPr/>
+        </p:nvSpPr>
+        <p:spPr bwMode="white">
+          <a:xfrm rot="21582856">
+            <a:off x="609601" y="1391343"/>
+            <a:ext cx="7924800" cy="2813050"/>
+          </a:xfrm>
+          <a:prstGeom prst="rect">
+            <a:avLst/>
+          </a:prstGeom>
+          <a:noFill/>
+          <a:ln w="12700" cap="sq">
+            <a:noFill/>
+            <a:miter lim="800000"/>
+            <a:headEnd type="none" w="sm" len="sm"/>
+            <a:tailEnd type="none" w="sm" len="sm"/>
+          </a:ln>
+          <a:effectLst/>
+        </p:spPr>
+        <p:txBody>
+          <a:bodyPr lIns="274320" rIns="274320" anchor="ctr"/>
+          <a:lstStyle/>
+          <a:p>
+            <a:pPr algn="ctr" eaLnBrk="0" fontAlgn="base" hangingPunct="0">
+              <a:spcBef>
+                <a:spcPct val="0"/>
+              </a:spcBef>
+              <a:spcAft>
+                <a:spcPct val="0"/>
+              </a:spcAft>
+              <a:defRPr/>
+            </a:pPr>
+            <a:r>
+              <a:rPr lang="en-US" sz="4400" dirty="0">
+                <a:latin typeface="Comic Sans MS" pitchFamily="66" charset="0"/>
+              </a:rPr>
+              <a:t>What is the coefficient of </a:t>
+            </a:r>
+            <a:r>
+              <a:rPr lang="en-US" sz="4400" dirty="0">
+                <a:solidFill>
+                  <a:srgbClr val="0000FF"/>
+                </a:solidFill>
+                <a:latin typeface="Comic Sans MS" pitchFamily="66" charset="0"/>
+              </a:rPr>
+              <a:t>BA</a:t>
+            </a:r>
+            <a:r>
+              <a:rPr lang="en-US" sz="4800" baseline="30000" dirty="0">
+                <a:solidFill>
+                  <a:srgbClr val="FF00FF"/>
+                </a:solidFill>
+                <a:latin typeface="Comic Sans MS" pitchFamily="66" charset="0"/>
+              </a:rPr>
+              <a:t>3</a:t>
+            </a:r>
+            <a:r>
+              <a:rPr lang="en-US" sz="4400" dirty="0">
+                <a:solidFill>
+                  <a:srgbClr val="0000FF"/>
+                </a:solidFill>
+                <a:latin typeface="Comic Sans MS" pitchFamily="66" charset="0"/>
+              </a:rPr>
+              <a:t>N</a:t>
+            </a:r>
+            <a:r>
+              <a:rPr lang="en-US" sz="4800" baseline="30000" dirty="0">
+                <a:solidFill>
+                  <a:srgbClr val="FF00FF"/>
+                </a:solidFill>
+                <a:latin typeface="Comic Sans MS" pitchFamily="66" charset="0"/>
+              </a:rPr>
+              <a:t>2</a:t>
+            </a:r>
+            <a:endParaRPr lang="en-US" sz="4400" dirty="0">
+              <a:solidFill>
+                <a:srgbClr val="FF00FF"/>
+              </a:solidFill>
+              <a:latin typeface="Comic Sans MS" pitchFamily="66" charset="0"/>
+            </a:endParaRPr>
+          </a:p>
+          <a:p>
+            <a:pPr eaLnBrk="0" fontAlgn="base" hangingPunct="0">
+              <a:spcBef>
+                <a:spcPct val="0"/>
+              </a:spcBef>
+              <a:spcAft>
+                <a:spcPct val="0"/>
+              </a:spcAft>
+              <a:defRPr/>
+            </a:pPr>
+            <a:r>
+              <a:rPr lang="en-US" sz="4400" dirty="0">
+                <a:latin typeface="Comic Sans MS" pitchFamily="66" charset="0"/>
+              </a:rPr>
+              <a:t>in the expansion of</a:t>
+            </a:r>
+          </a:p>
+          <a:p>
+            <a:pPr algn="ctr" eaLnBrk="0" fontAlgn="base" hangingPunct="0">
+              <a:spcBef>
+                <a:spcPct val="0"/>
+              </a:spcBef>
+              <a:spcAft>
+                <a:spcPct val="0"/>
+              </a:spcAft>
+              <a:defRPr/>
+            </a:pPr>
+            <a:r>
+              <a:rPr lang="en-US" sz="4400" dirty="0" smtClean="0">
+                <a:solidFill>
+                  <a:srgbClr val="0000FF"/>
+                </a:solidFill>
+                <a:latin typeface="Comic Sans MS" pitchFamily="66" charset="0"/>
+              </a:rPr>
+              <a:t>    (</a:t>
+            </a:r>
+            <a:r>
+              <a:rPr lang="en-US" sz="4400" dirty="0">
+                <a:solidFill>
+                  <a:srgbClr val="0000FF"/>
+                </a:solidFill>
+                <a:latin typeface="Comic Sans MS" pitchFamily="66" charset="0"/>
+              </a:rPr>
+              <a:t>B + A + N)</a:t>
+            </a:r>
+            <a:r>
+              <a:rPr lang="en-US" sz="4800" baseline="30000" dirty="0">
+                <a:solidFill>
+                  <a:srgbClr val="008000"/>
+                </a:solidFill>
+                <a:latin typeface="Comic Sans MS" pitchFamily="66" charset="0"/>
+              </a:rPr>
+              <a:t>6</a:t>
+            </a:r>
+            <a:r>
+              <a:rPr lang="en-US" sz="4400" baseline="30000" dirty="0">
+                <a:latin typeface="Comic Sans MS" pitchFamily="66" charset="0"/>
+              </a:rPr>
+              <a:t>  </a:t>
+            </a:r>
+            <a:r>
+              <a:rPr lang="en-US" sz="4400" dirty="0">
+                <a:latin typeface="Comic Sans MS" pitchFamily="66" charset="0"/>
+              </a:rPr>
+              <a:t>?</a:t>
+            </a:r>
+          </a:p>
+        </p:txBody>
+      </p:sp>
+      <p:sp>
+        <p:nvSpPr>
+          <p:cNvPr id="6" name="Slide Number Placeholder 4"/>
+          <p:cNvSpPr>
+            <a:spLocks noGrp="1"/>
+          </p:cNvSpPr>
+          <p:nvPr>
+            <p:ph type="sldNum" sz="quarter" idx="10"/>
+          </p:nvPr>
+        </p:nvSpPr>
+        <p:spPr>
+          <a:xfrm>
+            <a:off x="6400800" y="6613525"/>
+            <a:ext cx="2667000" cy="261938"/>
+          </a:xfrm>
+          <a:noFill/>
+        </p:spPr>
+        <p:txBody>
+          <a:bodyPr/>
+          <a:lstStyle/>
+          <a:p>
+            <a:r>
+              <a:rPr lang="en-US" dirty="0" err="1" smtClean="0"/>
+              <a:t>lec</a:t>
+            </a:r>
+            <a:r>
+              <a:rPr lang="en-US" dirty="0" smtClean="0"/>
+              <a:t> 10W.</a:t>
+            </a:r>
+            <a:fld id="{67B4AFCC-5E15-4E97-9BE8-9E5193C2354C}" type="slidenum">
+              <a:rPr lang="en-US" smtClean="0"/>
+              <a:pPr/>
+              <a:t>10</a:t>
+            </a:fld>
+            <a:endParaRPr lang="en-US" dirty="0" smtClean="0"/>
+          </a:p>
+        </p:txBody>
+      </p:sp>
+      <p:sp>
+        <p:nvSpPr>
+          <p:cNvPr id="7" name="Rectangle 5"/>
+          <p:cNvSpPr txBox="1">
+            <a:spLocks noChangeArrowheads="1"/>
+          </p:cNvSpPr>
+          <p:nvPr/>
+        </p:nvSpPr>
+        <p:spPr bwMode="auto">
+          <a:xfrm>
+            <a:off x="1600200" y="278702"/>
+            <a:ext cx="7176300" cy="956541"/>
+          </a:xfrm>
+          <a:prstGeom prst="rect">
+            <a:avLst/>
+          </a:prstGeom>
+          <a:noFill/>
+          <a:ln w="9525">
+            <a:noFill/>
+            <a:miter lim="800000"/>
+            <a:headEnd/>
+            <a:tailEnd/>
+          </a:ln>
+        </p:spPr>
+        <p:txBody>
+          <a:bodyPr vert="horz" wrap="square" lIns="91440" tIns="45720" rIns="91440" bIns="45720" numCol="1" anchor="ctr" anchorCtr="0" compatLnSpc="1">
+            <a:prstTxWarp prst="textNoShape">
+              <a:avLst/>
+            </a:prstTxWarp>
+          </a:bodyPr>
+          <a:lstStyle>
+            <a:lvl1pPr algn="l" rtl="0" eaLnBrk="0" fontAlgn="base" hangingPunct="0">
+              <a:spcBef>
+                <a:spcPct val="0"/>
+              </a:spcBef>
+              <a:spcAft>
+                <a:spcPct val="0"/>
+              </a:spcAft>
+              <a:defRPr sz="4000" b="1">
+                <a:solidFill>
+                  <a:schemeClr val="tx2"/>
+                </a:solidFill>
+                <a:latin typeface="Comic Sans MS" pitchFamily="66" charset="0"/>
+                <a:ea typeface="+mj-ea"/>
+                <a:cs typeface="+mj-cs"/>
+              </a:defRPr>
+            </a:lvl1pPr>
+            <a:lvl2pPr algn="l" rtl="0" eaLnBrk="0" fontAlgn="base" hangingPunct="0">
+              <a:spcBef>
+                <a:spcPct val="0"/>
+              </a:spcBef>
+              <a:spcAft>
+                <a:spcPct val="0"/>
+              </a:spcAft>
+              <a:defRPr sz="4000" b="1">
+                <a:solidFill>
+                  <a:schemeClr val="tx2"/>
+                </a:solidFill>
+                <a:latin typeface="Times New Roman" pitchFamily="8" charset="0"/>
+              </a:defRPr>
+            </a:lvl2pPr>
+            <a:lvl3pPr algn="l" rtl="0" eaLnBrk="0" fontAlgn="base" hangingPunct="0">
+              <a:spcBef>
+                <a:spcPct val="0"/>
+              </a:spcBef>
+              <a:spcAft>
+                <a:spcPct val="0"/>
+              </a:spcAft>
+              <a:defRPr sz="4000" b="1">
+                <a:solidFill>
+                  <a:schemeClr val="tx2"/>
+                </a:solidFill>
+                <a:latin typeface="Times New Roman" pitchFamily="8" charset="0"/>
+              </a:defRPr>
+            </a:lvl3pPr>
+            <a:lvl4pPr algn="l" rtl="0" eaLnBrk="0" fontAlgn="base" hangingPunct="0">
+              <a:spcBef>
+                <a:spcPct val="0"/>
+              </a:spcBef>
+              <a:spcAft>
+                <a:spcPct val="0"/>
+              </a:spcAft>
+              <a:defRPr sz="4000" b="1">
+                <a:solidFill>
+                  <a:schemeClr val="tx2"/>
+                </a:solidFill>
+                <a:latin typeface="Times New Roman" pitchFamily="8" charset="0"/>
+              </a:defRPr>
+            </a:lvl4pPr>
+            <a:lvl5pPr algn="l" rtl="0" eaLnBrk="0" fontAlgn="base" hangingPunct="0">
+              <a:spcBef>
+                <a:spcPct val="0"/>
+              </a:spcBef>
+              <a:spcAft>
+                <a:spcPct val="0"/>
+              </a:spcAft>
+              <a:defRPr sz="4000" b="1">
+                <a:solidFill>
+                  <a:schemeClr val="tx2"/>
+                </a:solidFill>
+                <a:latin typeface="Times New Roman" pitchFamily="8" charset="0"/>
+              </a:defRPr>
+            </a:lvl5pPr>
+            <a:lvl6pPr marL="457200" algn="l" rtl="0" fontAlgn="base">
+              <a:spcBef>
+                <a:spcPct val="0"/>
+              </a:spcBef>
+              <a:spcAft>
+                <a:spcPct val="0"/>
+              </a:spcAft>
+              <a:defRPr sz="4000" b="1">
+                <a:solidFill>
+                  <a:schemeClr val="tx2"/>
+                </a:solidFill>
+                <a:latin typeface="Times New Roman" pitchFamily="8" charset="0"/>
+              </a:defRPr>
+            </a:lvl6pPr>
+            <a:lvl7pPr marL="914400" algn="l" rtl="0" fontAlgn="base">
+              <a:spcBef>
+                <a:spcPct val="0"/>
+              </a:spcBef>
+              <a:spcAft>
+                <a:spcPct val="0"/>
+              </a:spcAft>
+              <a:defRPr sz="4000" b="1">
+                <a:solidFill>
+                  <a:schemeClr val="tx2"/>
+                </a:solidFill>
+                <a:latin typeface="Times New Roman" pitchFamily="8" charset="0"/>
+              </a:defRPr>
+            </a:lvl7pPr>
+            <a:lvl8pPr marL="1371600" algn="l" rtl="0" fontAlgn="base">
+              <a:spcBef>
+                <a:spcPct val="0"/>
+              </a:spcBef>
+              <a:spcAft>
+                <a:spcPct val="0"/>
+              </a:spcAft>
+              <a:defRPr sz="4000" b="1">
+                <a:solidFill>
+                  <a:schemeClr val="tx2"/>
+                </a:solidFill>
+                <a:latin typeface="Times New Roman" pitchFamily="8" charset="0"/>
+              </a:defRPr>
+            </a:lvl8pPr>
+            <a:lvl9pPr marL="1828800" algn="l" rtl="0" fontAlgn="base">
+              <a:spcBef>
+                <a:spcPct val="0"/>
+              </a:spcBef>
+              <a:spcAft>
+                <a:spcPct val="0"/>
+              </a:spcAft>
+              <a:defRPr sz="4000" b="1">
+                <a:solidFill>
+                  <a:schemeClr val="tx2"/>
+                </a:solidFill>
+                <a:latin typeface="Times New Roman" pitchFamily="8" charset="0"/>
+              </a:defRPr>
+            </a:lvl9pPr>
+          </a:lstStyle>
+          <a:p>
+            <a:pPr eaLnBrk="1" hangingPunct="1"/>
+            <a:r>
+              <a:rPr lang="en-US" smtClean="0">
+                <a:solidFill>
+                  <a:schemeClr val="tx1"/>
+                </a:solidFill>
+              </a:rPr>
+              <a:t>multinomial coefficients</a:t>
+            </a:r>
+            <a:endParaRPr lang="en-US" dirty="0">
+              <a:solidFill>
+                <a:schemeClr val="tx1"/>
+              </a:solidFill>
+            </a:endParaRPr>
+          </a:p>
+        </p:txBody>
+      </p:sp>
+    </p:spTree>
+    <p:extLst>
+      <p:ext uri="{BB962C8B-B14F-4D97-AF65-F5344CB8AC3E}">
+        <p14:creationId xmlns:p14="http://schemas.microsoft.com/office/powerpoint/2010/main" val="716743365"/>
+      </p:ext>
+    </p:extLst>
+  </p:cSld>
+  <p:clrMapOvr>
+    <a:masterClrMapping/>
+  </p:clrMapOvr>
+  <p:transition xmlns:p14="http://schemas.microsoft.com/office/powerpoint/2010/main" spd="slow">
+    <p:fade/>
+  </p:transition>
+  <p:timing>
+    <p:tnLst>
+      <p:par>
+        <p:cTn xmlns:p14="http://schemas.microsoft.com/office/powerpoint/2010/main" id="1" dur="indefinite" restart="never" nodeType="tmRoot">
+          <p:childTnLst>
+            <p:seq concurrent="1" nextAc="seek">
+              <p:cTn id="2" dur="indefinite" nodeType="mainSeq">
+                <p:childTnLst>
+                  <p:par>
+                    <p:cTn id="3" fill="hold">
+                      <p:stCondLst>
+                        <p:cond delay="indefinite"/>
+                      </p:stCondLst>
+                      <p:childTnLst>
+                        <p:par>
+                          <p:cTn id="4" fill="hold">
+                            <p:stCondLst>
+                              <p:cond delay="0"/>
+                            </p:stCondLst>
+                            <p:childTnLst>
+                              <p:par>
+                                <p:cTn id="5" presetID="9" presetClass="entr" presetSubtype="0" fill="hold" grpId="1" nodeType="clickEffect">
+                                  <p:stCondLst>
+                                    <p:cond delay="0"/>
+                                  </p:stCondLst>
+                                  <p:childTnLst>
+                                    <p:set>
+                                      <p:cBhvr>
+                                        <p:cTn id="6" dur="1" fill="hold">
+                                          <p:stCondLst>
+                                            <p:cond delay="0"/>
+                                          </p:stCondLst>
+                                        </p:cTn>
+                                        <p:tgtEl>
+                                          <p:spTgt spid="587780"/>
+                                        </p:tgtEl>
+                                        <p:attrNameLst>
+                                          <p:attrName>style.visibility</p:attrName>
+                                        </p:attrNameLst>
+                                      </p:cBhvr>
+                                      <p:to>
+                                        <p:strVal val="visible"/>
+                                      </p:to>
+                                    </p:set>
+                                    <p:animEffect transition="in" filter="dissolve">
+                                      <p:cBhvr>
+                                        <p:cTn id="7" dur="500"/>
+                                        <p:tgtEl>
+                                          <p:spTgt spid="587780"/>
+                                        </p:tgtEl>
+                                      </p:cBhvr>
+                                    </p:animEffect>
+                                  </p:childTnLst>
+                                </p:cTn>
+                              </p:par>
+                            </p:childTnLst>
+                          </p:cTn>
+                        </p:par>
+                      </p:childTnLst>
+                    </p:cTn>
+                  </p:par>
+                </p:childTnLst>
+              </p:cTn>
+              <p:prevCondLst>
+                <p:cond evt="onPrev" delay="0">
+                  <p:tgtEl>
+                    <p:sldTgt/>
+                  </p:tgtEl>
+                </p:cond>
+              </p:prevCondLst>
+              <p:nextCondLst>
+                <p:cond evt="onNext" delay="0">
+                  <p:tgtEl>
+                    <p:sldTgt/>
+                  </p:tgtEl>
+                </p:cond>
+              </p:nextCondLst>
+            </p:seq>
+          </p:childTnLst>
+        </p:cTn>
+      </p:par>
+    </p:tnLst>
+    <p:bldLst>
+      <p:bldP spid="587780" grpId="1" animBg="1"/>
+    </p:bldLst>
+  </p:timing>
+</p:sld>
+</file>
+
+<file path=ppt/slides/slide11.xml><?xml version="1.0" encoding="utf-8"?>
 <p:sld xmlns:a="http://schemas.openxmlformats.org/drawingml/2006/main" xmlns:r="http://schemas.openxmlformats.org/officeDocument/2006/relationships" xmlns:p="http://schemas.openxmlformats.org/presentationml/2006/main">
   <p:cSld>
     <p:spTree>
@@ -4868,7 +5706,7 @@
           <a:graphicData uri="http://schemas.openxmlformats.org/presentationml/2006/ole">
             <mc:AlternateContent xmlns:mc="http://schemas.openxmlformats.org/markup-compatibility/2006">
               <mc:Choice xmlns:v="urn:schemas-microsoft-com:vml" Requires="v">
-                <p:oleObj spid="_x0000_s134158" name="Equation" r:id="rId4" imgW="545760" imgH="457200" progId="Equation.3">
+                <p:oleObj spid="_x0000_s134164" name="Equation" r:id="rId4" imgW="545760" imgH="457200" progId="Equation.3">
                   <p:embed/>
                 </p:oleObj>
               </mc:Choice>
@@ -4954,7 +5792,7 @@
             <a:fld id="{67B4AFCC-5E15-4E97-9BE8-9E5193C2354C}" type="slidenum">
               <a:rPr lang="en-US" smtClean="0"/>
               <a:pPr/>
-              <a:t>10</a:t>
+              <a:t>11</a:t>
             </a:fld>
             <a:endParaRPr lang="en-US" dirty="0" smtClean="0"/>
           </a:p>
@@ -5161,7 +5999,7 @@
 </p:sld>
 </file>
 
-<file path=ppt/slides/slide11.xml><?xml version="1.0" encoding="utf-8"?>
+<file path=ppt/slides/slide12.xml><?xml version="1.0" encoding="utf-8"?>
 <p:sld xmlns:a="http://schemas.openxmlformats.org/drawingml/2006/main" xmlns:r="http://schemas.openxmlformats.org/officeDocument/2006/relationships" xmlns:p="http://schemas.openxmlformats.org/presentationml/2006/main">
   <p:cSld>
     <p:spTree>
@@ -5396,25 +6234,25 @@
           <p:nvPr>
             <p:extLst>
               <p:ext uri="{D42A27DB-BD31-4B8C-83A1-F6EECF244321}">
-                <p14:modId xmlns:p14="http://schemas.microsoft.com/office/powerpoint/2010/main" val="2918657530"/>
+                <p14:modId xmlns:p14="http://schemas.microsoft.com/office/powerpoint/2010/main" val="3445266479"/>
               </p:ext>
             </p:extLst>
           </p:nvPr>
         </p:nvGraphicFramePr>
         <p:xfrm>
-          <a:off x="2613025" y="1806702"/>
-          <a:ext cx="3949700" cy="1138238"/>
+          <a:off x="2505075" y="1806575"/>
+          <a:ext cx="4167188" cy="1138238"/>
         </p:xfrm>
         <a:graphic>
           <a:graphicData uri="http://schemas.openxmlformats.org/presentationml/2006/ole">
             <mc:AlternateContent xmlns:mc="http://schemas.openxmlformats.org/markup-compatibility/2006">
               <mc:Choice xmlns:v="urn:schemas-microsoft-com:vml" Requires="v">
-                <p:oleObj spid="_x0000_s135195" name="Equation" r:id="rId4" imgW="927100" imgH="266700" progId="Equation.DSMT4">
+                <p:oleObj spid="_x0000_s135209" name="Equation" r:id="rId4" imgW="977900" imgH="266700" progId="Equation.DSMT4">
                   <p:embed/>
                 </p:oleObj>
               </mc:Choice>
               <mc:Fallback>
-                <p:oleObj name="Equation" r:id="rId4" imgW="927100" imgH="266700" progId="Equation.DSMT4">
+                <p:oleObj name="Equation" r:id="rId4" imgW="977900" imgH="266700" progId="Equation.DSMT4">
                   <p:embed/>
                   <p:pic>
                     <p:nvPicPr>
@@ -5433,8 +6271,8 @@
                     </p:blipFill>
                     <p:spPr bwMode="auto">
                       <a:xfrm>
-                        <a:off x="2613025" y="1806702"/>
-                        <a:ext cx="3949700" cy="1138238"/>
+                        <a:off x="2505075" y="1806575"/>
+                        <a:ext cx="4167188" cy="1138238"/>
                       </a:xfrm>
                       <a:prstGeom prst="rect">
                         <a:avLst/>
@@ -5479,7 +6317,7 @@
           <a:graphicData uri="http://schemas.openxmlformats.org/presentationml/2006/ole">
             <mc:AlternateContent xmlns:mc="http://schemas.openxmlformats.org/markup-compatibility/2006">
               <mc:Choice xmlns:v="urn:schemas-microsoft-com:vml" Requires="v">
-                <p:oleObj spid="_x0000_s135196" name="Equation" r:id="rId6" imgW="965200" imgH="495300" progId="Equation.DSMT4">
+                <p:oleObj spid="_x0000_s135210" name="Equation" r:id="rId6" imgW="965200" imgH="495300" progId="Equation.DSMT4">
                   <p:embed/>
                 </p:oleObj>
               </mc:Choice>
@@ -5554,7 +6392,7 @@
             <a:fld id="{67B4AFCC-5E15-4E97-9BE8-9E5193C2354C}" type="slidenum">
               <a:rPr lang="en-US" smtClean="0"/>
               <a:pPr/>
-              <a:t>11</a:t>
+              <a:t>12</a:t>
             </a:fld>
             <a:endParaRPr lang="en-US" dirty="0" smtClean="0"/>
           </a:p>
@@ -6025,670 +6863,6 @@
 </p:sld>
 </file>
 
-<file path=ppt/slides/slide12.xml><?xml version="1.0" encoding="utf-8"?>
-<p:sld xmlns:a="http://schemas.openxmlformats.org/drawingml/2006/main" xmlns:r="http://schemas.openxmlformats.org/officeDocument/2006/relationships" xmlns:p="http://schemas.openxmlformats.org/presentationml/2006/main">
-  <p:cSld>
-    <p:spTree>
-      <p:nvGrpSpPr>
-        <p:cNvPr id="1" name=""/>
-        <p:cNvGrpSpPr/>
-        <p:nvPr/>
-      </p:nvGrpSpPr>
-      <p:grpSpPr>
-        <a:xfrm>
-          <a:off x="0" y="0"/>
-          <a:ext cx="0" cy="0"/>
-          <a:chOff x="0" y="0"/>
-          <a:chExt cx="0" cy="0"/>
-        </a:xfrm>
-      </p:grpSpPr>
-      <p:graphicFrame>
-        <p:nvGraphicFramePr>
-          <p:cNvPr id="9218" name="Object 3"/>
-          <p:cNvGraphicFramePr>
-            <a:graphicFrameLocks noChangeAspect="1"/>
-          </p:cNvGraphicFramePr>
-          <p:nvPr/>
-        </p:nvGraphicFramePr>
-        <p:xfrm>
-          <a:off x="942975" y="1905000"/>
-          <a:ext cx="7332663" cy="2481263"/>
-        </p:xfrm>
-        <a:graphic>
-          <a:graphicData uri="http://schemas.openxmlformats.org/presentationml/2006/ole">
-            <mc:AlternateContent xmlns:mc="http://schemas.openxmlformats.org/markup-compatibility/2006">
-              <mc:Choice xmlns:v="urn:schemas-microsoft-com:vml" Requires="v">
-                <p:oleObj spid="_x0000_s136215" name="Equation" r:id="rId4" imgW="1574640" imgH="533160" progId="Equation.DSMT4">
-                  <p:embed/>
-                </p:oleObj>
-              </mc:Choice>
-              <mc:Fallback>
-                <p:oleObj name="Equation" r:id="rId4" imgW="1574640" imgH="533160" progId="Equation.DSMT4">
-                  <p:embed/>
-                  <p:pic>
-                    <p:nvPicPr>
-                      <p:cNvPr id="0" name=""/>
-                      <p:cNvPicPr>
-                        <a:picLocks noChangeAspect="1" noChangeArrowheads="1"/>
-                      </p:cNvPicPr>
-                      <p:nvPr/>
-                    </p:nvPicPr>
-                    <p:blipFill>
-                      <a:blip r:embed="rId5">
-                        <a:extLst>
-                          <a:ext uri="{28A0092B-C50C-407E-A947-70E740481C1C}">
-                            <a14:useLocalDpi xmlns:a14="http://schemas.microsoft.com/office/drawing/2010/main" val="0"/>
-                          </a:ext>
-                        </a:extLst>
-                      </a:blip>
-                      <a:srcRect/>
-                      <a:stretch>
-                        <a:fillRect/>
-                      </a:stretch>
-                    </p:blipFill>
-                    <p:spPr bwMode="invGray">
-                      <a:xfrm>
-                        <a:off x="942975" y="1905000"/>
-                        <a:ext cx="7332663" cy="2481263"/>
-                      </a:xfrm>
-                      <a:prstGeom prst="rect">
-                        <a:avLst/>
-                      </a:prstGeom>
-                      <a:noFill/>
-                      <a:ln>
-                        <a:noFill/>
-                      </a:ln>
-                      <a:extLst>
-                        <a:ext uri="{909E8E84-426E-40dd-AFC4-6F175D3DCCD1}">
-                          <a14:hiddenFill xmlns:a14="http://schemas.microsoft.com/office/drawing/2010/main">
-                            <a:solidFill>
-                              <a:srgbClr val="FFFFFF"/>
-                            </a:solidFill>
-                          </a14:hiddenFill>
-                        </a:ext>
-                        <a:ext uri="{91240B29-F687-4f45-9708-019B960494DF}">
-                          <a14:hiddenLine xmlns:a14="http://schemas.microsoft.com/office/drawing/2010/main" w="38100">
-                            <a:solidFill>
-                              <a:srgbClr val="0000FF"/>
-                            </a:solidFill>
-                            <a:miter lim="800000"/>
-                            <a:headEnd/>
-                            <a:tailEnd/>
-                          </a14:hiddenLine>
-                        </a:ext>
-                      </a:extLst>
-                    </p:spPr>
-                  </p:pic>
-                </p:oleObj>
-              </mc:Fallback>
-            </mc:AlternateContent>
-          </a:graphicData>
-        </a:graphic>
-      </p:graphicFrame>
-      <p:graphicFrame>
-        <p:nvGraphicFramePr>
-          <p:cNvPr id="590852" name="Object 4"/>
-          <p:cNvGraphicFramePr>
-            <a:graphicFrameLocks noChangeAspect="1"/>
-          </p:cNvGraphicFramePr>
-          <p:nvPr/>
-        </p:nvGraphicFramePr>
-        <p:xfrm>
-          <a:off x="400050" y="4876800"/>
-          <a:ext cx="8286750" cy="1066800"/>
-        </p:xfrm>
-        <a:graphic>
-          <a:graphicData uri="http://schemas.openxmlformats.org/presentationml/2006/ole">
-            <mc:AlternateContent xmlns:mc="http://schemas.openxmlformats.org/markup-compatibility/2006">
-              <mc:Choice xmlns:v="urn:schemas-microsoft-com:vml" Requires="v">
-                <p:oleObj spid="_x0000_s136216" name="Equation" r:id="rId6" imgW="1968500" imgH="254000" progId="Equation.3">
-                  <p:embed/>
-                </p:oleObj>
-              </mc:Choice>
-              <mc:Fallback>
-                <p:oleObj name="Equation" r:id="rId6" imgW="1968500" imgH="254000" progId="Equation.3">
-                  <p:embed/>
-                  <p:pic>
-                    <p:nvPicPr>
-                      <p:cNvPr id="0" name=""/>
-                      <p:cNvPicPr>
-                        <a:picLocks noChangeAspect="1" noChangeArrowheads="1"/>
-                      </p:cNvPicPr>
-                      <p:nvPr/>
-                    </p:nvPicPr>
-                    <p:blipFill>
-                      <a:blip r:embed="rId7">
-                        <a:extLst>
-                          <a:ext uri="{28A0092B-C50C-407E-A947-70E740481C1C}">
-                            <a14:useLocalDpi xmlns:a14="http://schemas.microsoft.com/office/drawing/2010/main" val="0"/>
-                          </a:ext>
-                        </a:extLst>
-                      </a:blip>
-                      <a:srcRect/>
-                      <a:stretch>
-                        <a:fillRect/>
-                      </a:stretch>
-                    </p:blipFill>
-                    <p:spPr bwMode="auto">
-                      <a:xfrm>
-                        <a:off x="400050" y="4876800"/>
-                        <a:ext cx="8286750" cy="1066800"/>
-                      </a:xfrm>
-                      <a:prstGeom prst="rect">
-                        <a:avLst/>
-                      </a:prstGeom>
-                      <a:noFill/>
-                      <a:extLst>
-                        <a:ext uri="{909E8E84-426E-40dd-AFC4-6F175D3DCCD1}">
-                          <a14:hiddenFill xmlns:a14="http://schemas.microsoft.com/office/drawing/2010/main">
-                            <a:solidFill>
-                              <a:srgbClr val="FFFFFF"/>
-                            </a:solidFill>
-                          </a14:hiddenFill>
-                        </a:ext>
-                      </a:extLst>
-                    </p:spPr>
-                  </p:pic>
-                </p:oleObj>
-              </mc:Fallback>
-            </mc:AlternateContent>
-          </a:graphicData>
-        </a:graphic>
-      </p:graphicFrame>
-      <p:sp>
-        <p:nvSpPr>
-          <p:cNvPr id="590853" name="Rectangle 6"/>
-          <p:cNvSpPr>
-            <a:spLocks noChangeArrowheads="1"/>
-          </p:cNvSpPr>
-          <p:nvPr/>
-        </p:nvSpPr>
-        <p:spPr bwMode="auto">
-          <a:xfrm>
-            <a:off x="838200" y="1828800"/>
-            <a:ext cx="7620000" cy="2743200"/>
-          </a:xfrm>
-          <a:prstGeom prst="rect">
-            <a:avLst/>
-          </a:prstGeom>
-          <a:noFill/>
-          <a:ln w="38100">
-            <a:solidFill>
-              <a:srgbClr val="0000FF"/>
-            </a:solidFill>
-            <a:miter lim="800000"/>
-            <a:headEnd/>
-            <a:tailEnd/>
-          </a:ln>
-        </p:spPr>
-        <p:txBody>
-          <a:bodyPr wrap="none" anchor="ctr"/>
-          <a:lstStyle/>
-          <a:p>
-            <a:pPr eaLnBrk="0" fontAlgn="base" hangingPunct="0">
-              <a:spcBef>
-                <a:spcPct val="0"/>
-              </a:spcBef>
-              <a:spcAft>
-                <a:spcPct val="0"/>
-              </a:spcAft>
-            </a:pPr>
-            <a:endParaRPr lang="en-US" sz="2000">
-              <a:latin typeface="Comic Sans MS" pitchFamily="66" charset="0"/>
-            </a:endParaRPr>
-          </a:p>
-        </p:txBody>
-      </p:sp>
-      <p:sp>
-        <p:nvSpPr>
-          <p:cNvPr id="7" name="Slide Number Placeholder 4"/>
-          <p:cNvSpPr>
-            <a:spLocks noGrp="1"/>
-          </p:cNvSpPr>
-          <p:nvPr>
-            <p:ph type="sldNum" sz="quarter" idx="10"/>
-          </p:nvPr>
-        </p:nvSpPr>
-        <p:spPr>
-          <a:xfrm>
-            <a:off x="6400800" y="6613525"/>
-            <a:ext cx="2667000" cy="261938"/>
-          </a:xfrm>
-          <a:noFill/>
-        </p:spPr>
-        <p:txBody>
-          <a:bodyPr/>
-          <a:lstStyle/>
-          <a:p>
-            <a:r>
-              <a:rPr lang="en-US" dirty="0" err="1" smtClean="0"/>
-              <a:t>lec</a:t>
-            </a:r>
-            <a:r>
-              <a:rPr lang="en-US" dirty="0" smtClean="0"/>
-              <a:t> 10W.</a:t>
-            </a:r>
-            <a:fld id="{67B4AFCC-5E15-4E97-9BE8-9E5193C2354C}" type="slidenum">
-              <a:rPr lang="en-US" smtClean="0"/>
-              <a:pPr/>
-              <a:t>12</a:t>
-            </a:fld>
-            <a:endParaRPr lang="en-US" dirty="0" smtClean="0"/>
-          </a:p>
-        </p:txBody>
-      </p:sp>
-      <p:sp>
-        <p:nvSpPr>
-          <p:cNvPr id="10" name="Rectangle 5"/>
-          <p:cNvSpPr txBox="1">
-            <a:spLocks noChangeArrowheads="1"/>
-          </p:cNvSpPr>
-          <p:nvPr/>
-        </p:nvSpPr>
-        <p:spPr bwMode="auto">
-          <a:xfrm>
-            <a:off x="1600200" y="278702"/>
-            <a:ext cx="7176300" cy="956541"/>
-          </a:xfrm>
-          <a:prstGeom prst="rect">
-            <a:avLst/>
-          </a:prstGeom>
-          <a:noFill/>
-          <a:ln w="9525">
-            <a:noFill/>
-            <a:miter lim="800000"/>
-            <a:headEnd/>
-            <a:tailEnd/>
-          </a:ln>
-        </p:spPr>
-        <p:txBody>
-          <a:bodyPr vert="horz" wrap="square" lIns="91440" tIns="45720" rIns="91440" bIns="45720" numCol="1" anchor="ctr" anchorCtr="0" compatLnSpc="1">
-            <a:prstTxWarp prst="textNoShape">
-              <a:avLst/>
-            </a:prstTxWarp>
-          </a:bodyPr>
-          <a:lstStyle>
-            <a:lvl1pPr algn="l" rtl="0" eaLnBrk="0" fontAlgn="base" hangingPunct="0">
-              <a:spcBef>
-                <a:spcPct val="0"/>
-              </a:spcBef>
-              <a:spcAft>
-                <a:spcPct val="0"/>
-              </a:spcAft>
-              <a:defRPr sz="4000" b="1">
-                <a:solidFill>
-                  <a:schemeClr val="tx2"/>
-                </a:solidFill>
-                <a:latin typeface="Comic Sans MS" pitchFamily="66" charset="0"/>
-                <a:ea typeface="+mj-ea"/>
-                <a:cs typeface="+mj-cs"/>
-              </a:defRPr>
-            </a:lvl1pPr>
-            <a:lvl2pPr algn="l" rtl="0" eaLnBrk="0" fontAlgn="base" hangingPunct="0">
-              <a:spcBef>
-                <a:spcPct val="0"/>
-              </a:spcBef>
-              <a:spcAft>
-                <a:spcPct val="0"/>
-              </a:spcAft>
-              <a:defRPr sz="4000" b="1">
-                <a:solidFill>
-                  <a:schemeClr val="tx2"/>
-                </a:solidFill>
-                <a:latin typeface="Times New Roman" pitchFamily="8" charset="0"/>
-              </a:defRPr>
-            </a:lvl2pPr>
-            <a:lvl3pPr algn="l" rtl="0" eaLnBrk="0" fontAlgn="base" hangingPunct="0">
-              <a:spcBef>
-                <a:spcPct val="0"/>
-              </a:spcBef>
-              <a:spcAft>
-                <a:spcPct val="0"/>
-              </a:spcAft>
-              <a:defRPr sz="4000" b="1">
-                <a:solidFill>
-                  <a:schemeClr val="tx2"/>
-                </a:solidFill>
-                <a:latin typeface="Times New Roman" pitchFamily="8" charset="0"/>
-              </a:defRPr>
-            </a:lvl3pPr>
-            <a:lvl4pPr algn="l" rtl="0" eaLnBrk="0" fontAlgn="base" hangingPunct="0">
-              <a:spcBef>
-                <a:spcPct val="0"/>
-              </a:spcBef>
-              <a:spcAft>
-                <a:spcPct val="0"/>
-              </a:spcAft>
-              <a:defRPr sz="4000" b="1">
-                <a:solidFill>
-                  <a:schemeClr val="tx2"/>
-                </a:solidFill>
-                <a:latin typeface="Times New Roman" pitchFamily="8" charset="0"/>
-              </a:defRPr>
-            </a:lvl4pPr>
-            <a:lvl5pPr algn="l" rtl="0" eaLnBrk="0" fontAlgn="base" hangingPunct="0">
-              <a:spcBef>
-                <a:spcPct val="0"/>
-              </a:spcBef>
-              <a:spcAft>
-                <a:spcPct val="0"/>
-              </a:spcAft>
-              <a:defRPr sz="4000" b="1">
-                <a:solidFill>
-                  <a:schemeClr val="tx2"/>
-                </a:solidFill>
-                <a:latin typeface="Times New Roman" pitchFamily="8" charset="0"/>
-              </a:defRPr>
-            </a:lvl5pPr>
-            <a:lvl6pPr marL="457200" algn="l" rtl="0" fontAlgn="base">
-              <a:spcBef>
-                <a:spcPct val="0"/>
-              </a:spcBef>
-              <a:spcAft>
-                <a:spcPct val="0"/>
-              </a:spcAft>
-              <a:defRPr sz="4000" b="1">
-                <a:solidFill>
-                  <a:schemeClr val="tx2"/>
-                </a:solidFill>
-                <a:latin typeface="Times New Roman" pitchFamily="8" charset="0"/>
-              </a:defRPr>
-            </a:lvl6pPr>
-            <a:lvl7pPr marL="914400" algn="l" rtl="0" fontAlgn="base">
-              <a:spcBef>
-                <a:spcPct val="0"/>
-              </a:spcBef>
-              <a:spcAft>
-                <a:spcPct val="0"/>
-              </a:spcAft>
-              <a:defRPr sz="4000" b="1">
-                <a:solidFill>
-                  <a:schemeClr val="tx2"/>
-                </a:solidFill>
-                <a:latin typeface="Times New Roman" pitchFamily="8" charset="0"/>
-              </a:defRPr>
-            </a:lvl7pPr>
-            <a:lvl8pPr marL="1371600" algn="l" rtl="0" fontAlgn="base">
-              <a:spcBef>
-                <a:spcPct val="0"/>
-              </a:spcBef>
-              <a:spcAft>
-                <a:spcPct val="0"/>
-              </a:spcAft>
-              <a:defRPr sz="4000" b="1">
-                <a:solidFill>
-                  <a:schemeClr val="tx2"/>
-                </a:solidFill>
-                <a:latin typeface="Times New Roman" pitchFamily="8" charset="0"/>
-              </a:defRPr>
-            </a:lvl8pPr>
-            <a:lvl9pPr marL="1828800" algn="l" rtl="0" fontAlgn="base">
-              <a:spcBef>
-                <a:spcPct val="0"/>
-              </a:spcBef>
-              <a:spcAft>
-                <a:spcPct val="0"/>
-              </a:spcAft>
-              <a:defRPr sz="4000" b="1">
-                <a:solidFill>
-                  <a:schemeClr val="tx2"/>
-                </a:solidFill>
-                <a:latin typeface="Times New Roman" pitchFamily="8" charset="0"/>
-              </a:defRPr>
-            </a:lvl9pPr>
-          </a:lstStyle>
-          <a:p>
-            <a:pPr eaLnBrk="1" hangingPunct="1"/>
-            <a:r>
-              <a:rPr lang="en-US" smtClean="0">
-                <a:solidFill>
-                  <a:schemeClr val="tx1"/>
-                </a:solidFill>
-              </a:rPr>
-              <a:t>multinomial coefficients</a:t>
-            </a:r>
-            <a:endParaRPr lang="en-US" dirty="0">
-              <a:solidFill>
-                <a:schemeClr val="tx1"/>
-              </a:solidFill>
-            </a:endParaRPr>
-          </a:p>
-        </p:txBody>
-      </p:sp>
-    </p:spTree>
-    <p:extLst>
-      <p:ext uri="{BB962C8B-B14F-4D97-AF65-F5344CB8AC3E}">
-        <p14:creationId xmlns:p14="http://schemas.microsoft.com/office/powerpoint/2010/main" val="445613056"/>
-      </p:ext>
-    </p:extLst>
-  </p:cSld>
-  <p:clrMapOvr>
-    <a:masterClrMapping/>
-  </p:clrMapOvr>
-  <p:transition xmlns:p14="http://schemas.microsoft.com/office/powerpoint/2010/main">
-    <p:fade/>
-  </p:transition>
-  <p:timing>
-    <p:tnLst>
-      <p:par>
-        <p:cTn xmlns:p14="http://schemas.microsoft.com/office/powerpoint/2010/main" id="1" dur="indefinite" restart="never" nodeType="tmRoot">
-          <p:childTnLst>
-            <p:seq concurrent="1" nextAc="seek">
-              <p:cTn id="2" dur="indefinite" nodeType="mainSeq">
-                <p:childTnLst>
-                  <p:par>
-                    <p:cTn id="3" fill="hold">
-                      <p:stCondLst>
-                        <p:cond delay="indefinite"/>
-                        <p:cond evt="onBegin" delay="0">
-                          <p:tn val="2"/>
-                        </p:cond>
-                      </p:stCondLst>
-                      <p:childTnLst>
-                        <p:par>
-                          <p:cTn id="4" fill="hold">
-                            <p:stCondLst>
-                              <p:cond delay="0"/>
-                            </p:stCondLst>
-                            <p:childTnLst>
-                              <p:par>
-                                <p:cTn id="5" presetID="15" presetClass="entr" presetSubtype="0" fill="hold" grpId="0" nodeType="afterEffect">
-                                  <p:stCondLst>
-                                    <p:cond delay="0"/>
-                                  </p:stCondLst>
-                                  <p:childTnLst>
-                                    <p:set>
-                                      <p:cBhvr>
-                                        <p:cTn id="6" dur="1" fill="hold">
-                                          <p:stCondLst>
-                                            <p:cond delay="0"/>
-                                          </p:stCondLst>
-                                        </p:cTn>
-                                        <p:tgtEl>
-                                          <p:spTgt spid="590853"/>
-                                        </p:tgtEl>
-                                        <p:attrNameLst>
-                                          <p:attrName>style.visibility</p:attrName>
-                                        </p:attrNameLst>
-                                      </p:cBhvr>
-                                      <p:to>
-                                        <p:strVal val="visible"/>
-                                      </p:to>
-                                    </p:set>
-                                    <p:anim calcmode="lin" valueType="num">
-                                      <p:cBhvr>
-                                        <p:cTn id="7" dur="1000" fill="hold"/>
-                                        <p:tgtEl>
-                                          <p:spTgt spid="590853"/>
-                                        </p:tgtEl>
-                                        <p:attrNameLst>
-                                          <p:attrName>ppt_w</p:attrName>
-                                        </p:attrNameLst>
-                                      </p:cBhvr>
-                                      <p:tavLst>
-                                        <p:tav tm="0">
-                                          <p:val>
-                                            <p:fltVal val="0"/>
-                                          </p:val>
-                                        </p:tav>
-                                        <p:tav tm="100000">
-                                          <p:val>
-                                            <p:strVal val="#ppt_w"/>
-                                          </p:val>
-                                        </p:tav>
-                                      </p:tavLst>
-                                    </p:anim>
-                                    <p:anim calcmode="lin" valueType="num">
-                                      <p:cBhvr>
-                                        <p:cTn id="8" dur="1000" fill="hold"/>
-                                        <p:tgtEl>
-                                          <p:spTgt spid="590853"/>
-                                        </p:tgtEl>
-                                        <p:attrNameLst>
-                                          <p:attrName>ppt_h</p:attrName>
-                                        </p:attrNameLst>
-                                      </p:cBhvr>
-                                      <p:tavLst>
-                                        <p:tav tm="0">
-                                          <p:val>
-                                            <p:fltVal val="0"/>
-                                          </p:val>
-                                        </p:tav>
-                                        <p:tav tm="100000">
-                                          <p:val>
-                                            <p:strVal val="#ppt_h"/>
-                                          </p:val>
-                                        </p:tav>
-                                      </p:tavLst>
-                                    </p:anim>
-                                    <p:anim calcmode="lin" valueType="num">
-                                      <p:cBhvr>
-                                        <p:cTn id="9" dur="1000" fill="hold"/>
-                                        <p:tgtEl>
-                                          <p:spTgt spid="590853"/>
-                                        </p:tgtEl>
-                                        <p:attrNameLst>
-                                          <p:attrName>ppt_x</p:attrName>
-                                        </p:attrNameLst>
-                                      </p:cBhvr>
-                                      <p:tavLst>
-                                        <p:tav tm="0" fmla="#ppt_x+(cos(-2*pi*(1-$))*-#ppt_x-sin(-2*pi*(1-$))*(1-#ppt_y))*(1-$)">
-                                          <p:val>
-                                            <p:fltVal val="0"/>
-                                          </p:val>
-                                        </p:tav>
-                                        <p:tav tm="100000">
-                                          <p:val>
-                                            <p:fltVal val="1"/>
-                                          </p:val>
-                                        </p:tav>
-                                      </p:tavLst>
-                                    </p:anim>
-                                    <p:anim calcmode="lin" valueType="num">
-                                      <p:cBhvr>
-                                        <p:cTn id="10" dur="1000" fill="hold"/>
-                                        <p:tgtEl>
-                                          <p:spTgt spid="590853"/>
-                                        </p:tgtEl>
-                                        <p:attrNameLst>
-                                          <p:attrName>ppt_y</p:attrName>
-                                        </p:attrNameLst>
-                                      </p:cBhvr>
-                                      <p:tavLst>
-                                        <p:tav tm="0" fmla="#ppt_y+(sin(-2*pi*(1-$))*-#ppt_x+cos(-2*pi*(1-$))*(1-#ppt_y))*(1-$)">
-                                          <p:val>
-                                            <p:fltVal val="0"/>
-                                          </p:val>
-                                        </p:tav>
-                                        <p:tav tm="100000">
-                                          <p:val>
-                                            <p:fltVal val="1"/>
-                                          </p:val>
-                                        </p:tav>
-                                      </p:tavLst>
-                                    </p:anim>
-                                  </p:childTnLst>
-                                </p:cTn>
-                              </p:par>
-                            </p:childTnLst>
-                          </p:cTn>
-                        </p:par>
-                      </p:childTnLst>
-                    </p:cTn>
-                  </p:par>
-                  <p:par>
-                    <p:cTn id="11" fill="hold">
-                      <p:stCondLst>
-                        <p:cond delay="indefinite"/>
-                      </p:stCondLst>
-                      <p:childTnLst>
-                        <p:par>
-                          <p:cTn id="12" fill="hold">
-                            <p:stCondLst>
-                              <p:cond delay="0"/>
-                            </p:stCondLst>
-                            <p:childTnLst>
-                              <p:par>
-                                <p:cTn id="13" presetID="1" presetClass="entr" presetSubtype="0" fill="hold" nodeType="clickEffect">
-                                  <p:stCondLst>
-                                    <p:cond delay="0"/>
-                                  </p:stCondLst>
-                                  <p:childTnLst>
-                                    <p:set>
-                                      <p:cBhvr>
-                                        <p:cTn id="14" dur="1" fill="hold">
-                                          <p:stCondLst>
-                                            <p:cond delay="0"/>
-                                          </p:stCondLst>
-                                        </p:cTn>
-                                        <p:tgtEl>
-                                          <p:spTgt spid="590852"/>
-                                        </p:tgtEl>
-                                        <p:attrNameLst>
-                                          <p:attrName>style.visibility</p:attrName>
-                                        </p:attrNameLst>
-                                      </p:cBhvr>
-                                      <p:to>
-                                        <p:strVal val="visible"/>
-                                      </p:to>
-                                    </p:set>
-                                  </p:childTnLst>
-                                </p:cTn>
-                              </p:par>
-                            </p:childTnLst>
-                          </p:cTn>
-                        </p:par>
-                      </p:childTnLst>
-                    </p:cTn>
-                  </p:par>
-                </p:childTnLst>
-              </p:cTn>
-              <p:prevCondLst>
-                <p:cond evt="onPrev" delay="0">
-                  <p:tgtEl>
-                    <p:sldTgt/>
-                  </p:tgtEl>
-                </p:cond>
-              </p:prevCondLst>
-              <p:nextCondLst>
-                <p:cond evt="onNext" delay="0">
-                  <p:tgtEl>
-                    <p:sldTgt/>
-                  </p:tgtEl>
-                </p:cond>
-              </p:nextCondLst>
-            </p:seq>
-          </p:childTnLst>
-        </p:cTn>
-      </p:par>
-    </p:tnLst>
-    <p:bldLst>
-      <p:bldP spid="590853" grpId="0" animBg="1"/>
-    </p:bldLst>
-  </p:timing>
-</p:sld>
-</file>
-
 <file path=ppt/slides/slide13.xml><?xml version="1.0" encoding="utf-8"?>
 <p:sld xmlns:a="http://schemas.openxmlformats.org/drawingml/2006/main" xmlns:r="http://schemas.openxmlformats.org/officeDocument/2006/relationships" xmlns:p="http://schemas.openxmlformats.org/presentationml/2006/main">
   <p:cSld>
@@ -6744,22 +6918,28 @@
           <p:cNvGraphicFramePr>
             <a:graphicFrameLocks noChangeAspect="1"/>
           </p:cNvGraphicFramePr>
-          <p:nvPr/>
+          <p:nvPr>
+            <p:extLst>
+              <p:ext uri="{D42A27DB-BD31-4B8C-83A1-F6EECF244321}">
+                <p14:modId xmlns:p14="http://schemas.microsoft.com/office/powerpoint/2010/main" val="2548475521"/>
+              </p:ext>
+            </p:extLst>
+          </p:nvPr>
         </p:nvGraphicFramePr>
         <p:xfrm>
-          <a:off x="0" y="1797050"/>
-          <a:ext cx="9112940" cy="3308350"/>
+          <a:off x="388845" y="1574085"/>
+          <a:ext cx="6373796" cy="1605774"/>
         </p:xfrm>
         <a:graphic>
           <a:graphicData uri="http://schemas.openxmlformats.org/presentationml/2006/ole">
             <mc:AlternateContent xmlns:mc="http://schemas.openxmlformats.org/markup-compatibility/2006">
               <mc:Choice xmlns:v="urn:schemas-microsoft-com:vml" Requires="v">
-                <p:oleObj spid="_x0000_s137228" name="Equation" r:id="rId4" imgW="2730500" imgH="990600" progId="Equation.3">
+                <p:oleObj spid="_x0000_s137237" name="Equation" r:id="rId4" imgW="1866900" imgH="469900" progId="Equation.DSMT4">
                   <p:embed/>
                 </p:oleObj>
               </mc:Choice>
               <mc:Fallback>
-                <p:oleObj name="Equation" r:id="rId4" imgW="2730500" imgH="990600" progId="Equation.3">
+                <p:oleObj name="Equation" r:id="rId4" imgW="1866900" imgH="469900" progId="Equation.DSMT4">
                   <p:embed/>
                   <p:pic>
                     <p:nvPicPr>
@@ -6770,13 +6950,7 @@
                       <p:nvPr/>
                     </p:nvPicPr>
                     <p:blipFill>
-                      <a:blip r:embed="rId5">
-                        <a:extLst>
-                          <a:ext uri="{28A0092B-C50C-407E-A947-70E740481C1C}">
-                            <a14:useLocalDpi xmlns:a14="http://schemas.microsoft.com/office/drawing/2010/main" val="0"/>
-                          </a:ext>
-                        </a:extLst>
-                      </a:blip>
+                      <a:blip r:embed="rId5"/>
                       <a:srcRect/>
                       <a:stretch>
                         <a:fillRect/>
@@ -6784,22 +6958,14 @@
                     </p:blipFill>
                     <p:spPr bwMode="invGray">
                       <a:xfrm>
-                        <a:off x="0" y="1797050"/>
-                        <a:ext cx="9112940" cy="3308350"/>
+                        <a:off x="388845" y="1574085"/>
+                        <a:ext cx="6373796" cy="1605774"/>
                       </a:xfrm>
                       <a:prstGeom prst="rect">
                         <a:avLst/>
                       </a:prstGeom>
                       <a:noFill/>
-                      <a:extLst>
-                        <a:ext uri="{909E8E84-426E-40dd-AFC4-6F175D3DCCD1}">
-                          <a14:hiddenFill xmlns:a14="http://schemas.microsoft.com/office/drawing/2010/main">
-                            <a:solidFill>
-                              <a:srgbClr val="FFFFFF"/>
-                            </a:solidFill>
-                          </a14:hiddenFill>
-                        </a:ext>
-                      </a:extLst>
+                      <a:extLst/>
                     </p:spPr>
                   </p:pic>
                 </p:oleObj>
@@ -6846,10 +7012,320 @@
           </a:p>
         </p:txBody>
       </p:sp>
+      <p:graphicFrame>
+        <p:nvGraphicFramePr>
+          <p:cNvPr id="6" name="Object 2"/>
+          <p:cNvGraphicFramePr>
+            <a:graphicFrameLocks noChangeAspect="1"/>
+          </p:cNvGraphicFramePr>
+          <p:nvPr>
+            <p:extLst>
+              <p:ext uri="{D42A27DB-BD31-4B8C-83A1-F6EECF244321}">
+                <p14:modId xmlns:p14="http://schemas.microsoft.com/office/powerpoint/2010/main" val="1373885163"/>
+              </p:ext>
+            </p:extLst>
+          </p:nvPr>
+        </p:nvGraphicFramePr>
+        <p:xfrm>
+          <a:off x="181263" y="3430164"/>
+          <a:ext cx="8722065" cy="1939876"/>
+        </p:xfrm>
+        <a:graphic>
+          <a:graphicData uri="http://schemas.openxmlformats.org/presentationml/2006/ole">
+            <mc:AlternateContent xmlns:mc="http://schemas.openxmlformats.org/markup-compatibility/2006">
+              <mc:Choice xmlns:v="urn:schemas-microsoft-com:vml" Requires="v">
+                <p:oleObj spid="_x0000_s137238" name="Equation" r:id="rId6" imgW="2743200" imgH="609600" progId="Equation.DSMT4">
+                  <p:embed/>
+                </p:oleObj>
+              </mc:Choice>
+              <mc:Fallback>
+                <p:oleObj name="Equation" r:id="rId6" imgW="2743200" imgH="609600" progId="Equation.DSMT4">
+                  <p:embed/>
+                  <p:pic>
+                    <p:nvPicPr>
+                      <p:cNvPr id="0" name=""/>
+                      <p:cNvPicPr>
+                        <a:picLocks noChangeAspect="1" noChangeArrowheads="1"/>
+                      </p:cNvPicPr>
+                      <p:nvPr/>
+                    </p:nvPicPr>
+                    <p:blipFill>
+                      <a:blip r:embed="rId7"/>
+                      <a:srcRect/>
+                      <a:stretch>
+                        <a:fillRect/>
+                      </a:stretch>
+                    </p:blipFill>
+                    <p:spPr bwMode="invGray">
+                      <a:xfrm>
+                        <a:off x="181263" y="3430164"/>
+                        <a:ext cx="8722065" cy="1939876"/>
+                      </a:xfrm>
+                      <a:prstGeom prst="rect">
+                        <a:avLst/>
+                      </a:prstGeom>
+                      <a:noFill/>
+                      <a:extLst/>
+                    </p:spPr>
+                  </p:pic>
+                </p:oleObj>
+              </mc:Fallback>
+            </mc:AlternateContent>
+          </a:graphicData>
+        </a:graphic>
+      </p:graphicFrame>
     </p:spTree>
     <p:extLst>
       <p:ext uri="{BB962C8B-B14F-4D97-AF65-F5344CB8AC3E}">
         <p14:creationId xmlns:p14="http://schemas.microsoft.com/office/powerpoint/2010/main" val="3378425651"/>
+      </p:ext>
+    </p:extLst>
+  </p:cSld>
+  <p:clrMapOvr>
+    <a:masterClrMapping/>
+  </p:clrMapOvr>
+  <p:transition xmlns:p14="http://schemas.microsoft.com/office/powerpoint/2010/main">
+    <p:fade/>
+  </p:transition>
+  <p:timing>
+    <p:tnLst>
+      <p:par>
+        <p:cTn xmlns:p14="http://schemas.microsoft.com/office/powerpoint/2010/main" id="1" dur="indefinite" restart="never" nodeType="tmRoot">
+          <p:childTnLst>
+            <p:seq concurrent="1" nextAc="seek">
+              <p:cTn id="2" dur="indefinite" nodeType="mainSeq">
+                <p:childTnLst>
+                  <p:par>
+                    <p:cTn id="3" fill="hold">
+                      <p:stCondLst>
+                        <p:cond delay="indefinite"/>
+                      </p:stCondLst>
+                      <p:childTnLst>
+                        <p:par>
+                          <p:cTn id="4" fill="hold">
+                            <p:stCondLst>
+                              <p:cond delay="0"/>
+                            </p:stCondLst>
+                            <p:childTnLst>
+                              <p:par>
+                                <p:cTn id="5" presetID="22" presetClass="entr" presetSubtype="8" fill="hold" nodeType="clickEffect">
+                                  <p:stCondLst>
+                                    <p:cond delay="0"/>
+                                  </p:stCondLst>
+                                  <p:childTnLst>
+                                    <p:set>
+                                      <p:cBhvr>
+                                        <p:cTn id="6" dur="1" fill="hold">
+                                          <p:stCondLst>
+                                            <p:cond delay="0"/>
+                                          </p:stCondLst>
+                                        </p:cTn>
+                                        <p:tgtEl>
+                                          <p:spTgt spid="6"/>
+                                        </p:tgtEl>
+                                        <p:attrNameLst>
+                                          <p:attrName>style.visibility</p:attrName>
+                                        </p:attrNameLst>
+                                      </p:cBhvr>
+                                      <p:to>
+                                        <p:strVal val="visible"/>
+                                      </p:to>
+                                    </p:set>
+                                    <p:animEffect transition="in" filter="wipe(left)">
+                                      <p:cBhvr>
+                                        <p:cTn id="7" dur="1000"/>
+                                        <p:tgtEl>
+                                          <p:spTgt spid="6"/>
+                                        </p:tgtEl>
+                                      </p:cBhvr>
+                                    </p:animEffect>
+                                  </p:childTnLst>
+                                </p:cTn>
+                              </p:par>
+                            </p:childTnLst>
+                          </p:cTn>
+                        </p:par>
+                      </p:childTnLst>
+                    </p:cTn>
+                  </p:par>
+                </p:childTnLst>
+              </p:cTn>
+              <p:prevCondLst>
+                <p:cond evt="onPrev" delay="0">
+                  <p:tgtEl>
+                    <p:sldTgt/>
+                  </p:tgtEl>
+                </p:cond>
+              </p:prevCondLst>
+              <p:nextCondLst>
+                <p:cond evt="onNext" delay="0">
+                  <p:tgtEl>
+                    <p:sldTgt/>
+                  </p:tgtEl>
+                </p:cond>
+              </p:nextCondLst>
+            </p:seq>
+          </p:childTnLst>
+        </p:cTn>
+      </p:par>
+    </p:tnLst>
+  </p:timing>
+</p:sld>
+</file>
+
+<file path=ppt/slides/slide14.xml><?xml version="1.0" encoding="utf-8"?>
+<p:sld xmlns:a="http://schemas.openxmlformats.org/drawingml/2006/main" xmlns:r="http://schemas.openxmlformats.org/officeDocument/2006/relationships" xmlns:p="http://schemas.openxmlformats.org/presentationml/2006/main" show="0">
+  <p:cSld>
+    <p:spTree>
+      <p:nvGrpSpPr>
+        <p:cNvPr id="1" name=""/>
+        <p:cNvGrpSpPr/>
+        <p:nvPr/>
+      </p:nvGrpSpPr>
+      <p:grpSpPr>
+        <a:xfrm>
+          <a:off x="0" y="0"/>
+          <a:ext cx="0" cy="0"/>
+          <a:chOff x="0" y="0"/>
+          <a:chExt cx="0" cy="0"/>
+        </a:xfrm>
+      </p:grpSpPr>
+      <p:sp>
+        <p:nvSpPr>
+          <p:cNvPr id="13317" name="Rectangle 5"/>
+          <p:cNvSpPr>
+            <a:spLocks noGrp="1" noChangeArrowheads="1"/>
+          </p:cNvSpPr>
+          <p:nvPr>
+            <p:ph type="title" idx="4294967295"/>
+          </p:nvPr>
+        </p:nvSpPr>
+        <p:spPr>
+          <a:xfrm>
+            <a:off x="1600200" y="304800"/>
+            <a:ext cx="7543800" cy="685800"/>
+          </a:xfrm>
+        </p:spPr>
+        <p:txBody>
+          <a:bodyPr/>
+          <a:lstStyle/>
+          <a:p>
+            <a:pPr eaLnBrk="1" hangingPunct="1"/>
+            <a:r>
+              <a:rPr lang="en-US">
+                <a:solidFill>
+                  <a:schemeClr val="tx1"/>
+                </a:solidFill>
+              </a:rPr>
+              <a:t>The Multinomial Formula</a:t>
+            </a:r>
+          </a:p>
+        </p:txBody>
+      </p:sp>
+      <p:graphicFrame>
+        <p:nvGraphicFramePr>
+          <p:cNvPr id="13314" name="Object 2"/>
+          <p:cNvGraphicFramePr>
+            <a:graphicFrameLocks noChangeAspect="1"/>
+          </p:cNvGraphicFramePr>
+          <p:nvPr>
+            <p:extLst>
+              <p:ext uri="{D42A27DB-BD31-4B8C-83A1-F6EECF244321}">
+                <p14:modId xmlns:p14="http://schemas.microsoft.com/office/powerpoint/2010/main" val="1308982755"/>
+              </p:ext>
+            </p:extLst>
+          </p:nvPr>
+        </p:nvGraphicFramePr>
+        <p:xfrm>
+          <a:off x="249945" y="1844675"/>
+          <a:ext cx="8678863" cy="3170238"/>
+        </p:xfrm>
+        <a:graphic>
+          <a:graphicData uri="http://schemas.openxmlformats.org/presentationml/2006/ole">
+            <mc:AlternateContent xmlns:mc="http://schemas.openxmlformats.org/markup-compatibility/2006">
+              <mc:Choice xmlns:v="urn:schemas-microsoft-com:vml" Requires="v">
+                <p:oleObj spid="_x0000_s144386" name="Equation" r:id="rId4" imgW="2819400" imgH="1028700" progId="Equation.DSMT4">
+                  <p:embed/>
+                </p:oleObj>
+              </mc:Choice>
+              <mc:Fallback>
+                <p:oleObj name="Equation" r:id="rId4" imgW="2819400" imgH="1028700" progId="Equation.DSMT4">
+                  <p:embed/>
+                  <p:pic>
+                    <p:nvPicPr>
+                      <p:cNvPr id="0" name=""/>
+                      <p:cNvPicPr>
+                        <a:picLocks noChangeAspect="1" noChangeArrowheads="1"/>
+                      </p:cNvPicPr>
+                      <p:nvPr/>
+                    </p:nvPicPr>
+                    <p:blipFill>
+                      <a:blip r:embed="rId5"/>
+                      <a:srcRect/>
+                      <a:stretch>
+                        <a:fillRect/>
+                      </a:stretch>
+                    </p:blipFill>
+                    <p:spPr bwMode="invGray">
+                      <a:xfrm>
+                        <a:off x="249945" y="1844675"/>
+                        <a:ext cx="8678863" cy="3170238"/>
+                      </a:xfrm>
+                      <a:prstGeom prst="rect">
+                        <a:avLst/>
+                      </a:prstGeom>
+                      <a:noFill/>
+                      <a:extLst/>
+                    </p:spPr>
+                  </p:pic>
+                </p:oleObj>
+              </mc:Fallback>
+            </mc:AlternateContent>
+          </a:graphicData>
+        </a:graphic>
+      </p:graphicFrame>
+      <p:sp>
+        <p:nvSpPr>
+          <p:cNvPr id="5" name="Slide Number Placeholder 4"/>
+          <p:cNvSpPr>
+            <a:spLocks noGrp="1"/>
+          </p:cNvSpPr>
+          <p:nvPr>
+            <p:ph type="sldNum" sz="quarter" idx="10"/>
+          </p:nvPr>
+        </p:nvSpPr>
+        <p:spPr>
+          <a:xfrm>
+            <a:off x="6400800" y="6613525"/>
+            <a:ext cx="2667000" cy="261938"/>
+          </a:xfrm>
+          <a:noFill/>
+        </p:spPr>
+        <p:txBody>
+          <a:bodyPr/>
+          <a:lstStyle/>
+          <a:p>
+            <a:r>
+              <a:rPr lang="en-US" dirty="0" err="1" smtClean="0"/>
+              <a:t>lec</a:t>
+            </a:r>
+            <a:r>
+              <a:rPr lang="en-US" dirty="0" smtClean="0"/>
+              <a:t> 10W.</a:t>
+            </a:r>
+            <a:fld id="{67B4AFCC-5E15-4E97-9BE8-9E5193C2354C}" type="slidenum">
+              <a:rPr lang="en-US" smtClean="0"/>
+              <a:pPr/>
+              <a:t>14</a:t>
+            </a:fld>
+            <a:endParaRPr lang="en-US" dirty="0" smtClean="0"/>
+          </a:p>
+        </p:txBody>
+      </p:sp>
+    </p:spTree>
+    <p:extLst>
+      <p:ext uri="{BB962C8B-B14F-4D97-AF65-F5344CB8AC3E}">
+        <p14:creationId xmlns:p14="http://schemas.microsoft.com/office/powerpoint/2010/main" val="48913416"/>
       </p:ext>
     </p:extLst>
   </p:cSld>
@@ -6869,8 +7345,8 @@
 </p:sld>
 </file>
 
-<file path=ppt/slides/slide14.xml><?xml version="1.0" encoding="utf-8"?>
-<p:sld xmlns:a="http://schemas.openxmlformats.org/drawingml/2006/main" xmlns:r="http://schemas.openxmlformats.org/officeDocument/2006/relationships" xmlns:p="http://schemas.openxmlformats.org/presentationml/2006/main">
+<file path=ppt/slides/slide15.xml><?xml version="1.0" encoding="utf-8"?>
+<p:sld xmlns:a="http://schemas.openxmlformats.org/drawingml/2006/main" xmlns:r="http://schemas.openxmlformats.org/officeDocument/2006/relationships" xmlns:p="http://schemas.openxmlformats.org/presentationml/2006/main" show="0">
   <p:cSld>
     <p:spTree>
       <p:nvGrpSpPr>
@@ -6888,32 +7364,32 @@
       </p:grpSpPr>
       <p:graphicFrame>
         <p:nvGraphicFramePr>
-          <p:cNvPr id="2" name="Object 1"/>
+          <p:cNvPr id="590852" name="Object 4"/>
           <p:cNvGraphicFramePr>
             <a:graphicFrameLocks noChangeAspect="1"/>
           </p:cNvGraphicFramePr>
           <p:nvPr>
             <p:extLst>
               <p:ext uri="{D42A27DB-BD31-4B8C-83A1-F6EECF244321}">
-                <p14:modId xmlns:p14="http://schemas.microsoft.com/office/powerpoint/2010/main" val="4052835552"/>
+                <p14:modId xmlns:p14="http://schemas.microsoft.com/office/powerpoint/2010/main" val="1836029050"/>
               </p:ext>
             </p:extLst>
           </p:nvPr>
         </p:nvGraphicFramePr>
         <p:xfrm>
-          <a:off x="1828800" y="2586283"/>
-          <a:ext cx="5588000" cy="2133600"/>
+          <a:off x="428625" y="4897754"/>
+          <a:ext cx="8286750" cy="1119188"/>
         </p:xfrm>
         <a:graphic>
           <a:graphicData uri="http://schemas.openxmlformats.org/presentationml/2006/ole">
             <mc:AlternateContent xmlns:mc="http://schemas.openxmlformats.org/markup-compatibility/2006">
               <mc:Choice xmlns:v="urn:schemas-microsoft-com:vml" Requires="v">
-                <p:oleObj spid="_x0000_s138253" name="Equation" r:id="rId3" imgW="1397000" imgH="533400" progId="Equation.3">
+                <p:oleObj spid="_x0000_s136229" name="Equation" r:id="rId4" imgW="1968500" imgH="266700" progId="Equation.DSMT4">
                   <p:embed/>
                 </p:oleObj>
               </mc:Choice>
               <mc:Fallback>
-                <p:oleObj name="Equation" r:id="rId3" imgW="1397000" imgH="533400" progId="Equation.3">
+                <p:oleObj name="Equation" r:id="rId4" imgW="1968500" imgH="266700" progId="Equation.DSMT4">
                   <p:embed/>
                   <p:pic>
                     <p:nvPicPr>
@@ -6924,13 +7400,7 @@
                       <p:nvPr/>
                     </p:nvPicPr>
                     <p:blipFill>
-                      <a:blip r:embed="rId4">
-                        <a:extLst>
-                          <a:ext uri="{28A0092B-C50C-407E-A947-70E740481C1C}">
-                            <a14:useLocalDpi xmlns:a14="http://schemas.microsoft.com/office/drawing/2010/main" val="0"/>
-                          </a:ext>
-                        </a:extLst>
-                      </a:blip>
+                      <a:blip r:embed="rId5"/>
                       <a:srcRect/>
                       <a:stretch>
                         <a:fillRect/>
@@ -6938,8 +7408,8 @@
                     </p:blipFill>
                     <p:spPr bwMode="auto">
                       <a:xfrm>
-                        <a:off x="1828800" y="2586283"/>
-                        <a:ext cx="5588000" cy="2133600"/>
+                        <a:off x="428625" y="4897754"/>
+                        <a:ext cx="8286750" cy="1119188"/>
                       </a:xfrm>
                       <a:prstGeom prst="rect">
                         <a:avLst/>
@@ -6964,66 +7434,7 @@
       </p:graphicFrame>
       <p:sp>
         <p:nvSpPr>
-          <p:cNvPr id="3" name="Text Box 5"/>
-          <p:cNvSpPr txBox="1">
-            <a:spLocks noChangeArrowheads="1"/>
-          </p:cNvSpPr>
-          <p:nvPr/>
-        </p:nvSpPr>
-        <p:spPr bwMode="auto">
-          <a:xfrm>
-            <a:off x="747019" y="1325677"/>
-            <a:ext cx="7518400" cy="914400"/>
-          </a:xfrm>
-          <a:prstGeom prst="rect">
-            <a:avLst/>
-          </a:prstGeom>
-          <a:noFill/>
-          <a:ln w="38100">
-            <a:noFill/>
-            <a:miter lim="800000"/>
-            <a:headEnd/>
-            <a:tailEnd/>
-          </a:ln>
-        </p:spPr>
-        <p:txBody>
-          <a:bodyPr wrap="none">
-            <a:spAutoFit/>
-          </a:bodyPr>
-          <a:lstStyle/>
-          <a:p>
-            <a:pPr eaLnBrk="0" fontAlgn="base" hangingPunct="0">
-              <a:spcBef>
-                <a:spcPct val="0"/>
-              </a:spcBef>
-              <a:spcAft>
-                <a:spcPct val="0"/>
-              </a:spcAft>
-            </a:pPr>
-            <a:r>
-              <a:rPr lang="en-US" sz="5400" dirty="0">
-                <a:solidFill>
-                  <a:srgbClr val="7030A0"/>
-                </a:solidFill>
-                <a:latin typeface="Comic Sans MS" pitchFamily="66" charset="0"/>
-              </a:rPr>
-              <a:t>binomial a special case</a:t>
-            </a:r>
-            <a:r>
-              <a:rPr lang="en-US" sz="5400" dirty="0">
-                <a:solidFill>
-                  <a:srgbClr val="7030A0"/>
-                </a:solidFill>
-                <a:latin typeface="Arial" charset="0"/>
-              </a:rPr>
-              <a:t>:</a:t>
-            </a:r>
-          </a:p>
-        </p:txBody>
-      </p:sp>
-      <p:sp>
-        <p:nvSpPr>
-          <p:cNvPr id="6" name="Slide Number Placeholder 4"/>
+          <p:cNvPr id="7" name="Slide Number Placeholder 4"/>
           <p:cNvSpPr>
             <a:spLocks noGrp="1"/>
           </p:cNvSpPr>
@@ -7053,7 +7464,7 @@
             <a:fld id="{67B4AFCC-5E15-4E97-9BE8-9E5193C2354C}" type="slidenum">
               <a:rPr lang="en-US" smtClean="0"/>
               <a:pPr/>
-              <a:t>14</a:t>
+              <a:t>15</a:t>
             </a:fld>
             <a:endParaRPr lang="en-US" dirty="0" smtClean="0"/>
           </a:p>
@@ -7061,7 +7472,7 @@
       </p:sp>
       <p:sp>
         <p:nvSpPr>
-          <p:cNvPr id="7" name="Text Box 7"/>
+          <p:cNvPr id="10" name="Rectangle 5"/>
           <p:cNvSpPr txBox="1">
             <a:spLocks noChangeArrowheads="1"/>
           </p:cNvSpPr>
@@ -7069,8 +7480,8 @@
         </p:nvSpPr>
         <p:spPr bwMode="auto">
           <a:xfrm>
-            <a:off x="1447800" y="304800"/>
-            <a:ext cx="6067459" cy="730370"/>
+            <a:off x="1600200" y="278702"/>
+            <a:ext cx="7176300" cy="956541"/>
           </a:xfrm>
           <a:prstGeom prst="rect">
             <a:avLst/>
@@ -7084,67 +7495,336 @@
           </a:ln>
         </p:spPr>
         <p:txBody>
-          <a:bodyPr anchor="ctr"/>
-          <a:lstStyle/>
-          <a:p>
-            <a:pPr fontAlgn="base">
+          <a:bodyPr vert="horz" wrap="square" lIns="91440" tIns="45720" rIns="91440" bIns="45720" numCol="1" anchor="ctr" anchorCtr="0" compatLnSpc="1">
+            <a:prstTxWarp prst="textNoShape">
+              <a:avLst/>
+            </a:prstTxWarp>
+          </a:bodyPr>
+          <a:lstStyle>
+            <a:lvl1pPr algn="l" rtl="0" eaLnBrk="0" fontAlgn="base" hangingPunct="0">
               <a:spcBef>
                 <a:spcPct val="0"/>
               </a:spcBef>
               <a:spcAft>
                 <a:spcPct val="0"/>
               </a:spcAft>
-              <a:defRPr/>
-            </a:pPr>
-            <a:r>
-              <a:rPr lang="en-US" sz="4400" b="1" dirty="0" smtClean="0">
+              <a:defRPr sz="4000" b="1">
                 <a:solidFill>
-                  <a:srgbClr val="000000"/>
+                  <a:schemeClr val="tx2"/>
                 </a:solidFill>
-                <a:latin typeface="Comic Sans MS"/>
+                <a:latin typeface="Comic Sans MS" pitchFamily="66" charset="0"/>
                 <a:ea typeface="+mj-ea"/>
                 <a:cs typeface="+mj-cs"/>
-              </a:rPr>
-              <a:t>binomial </a:t>
-            </a:r>
-            <a:r>
-              <a:rPr lang="en-US" sz="4400" b="1" dirty="0">
+              </a:defRPr>
+            </a:lvl1pPr>
+            <a:lvl2pPr algn="l" rtl="0" eaLnBrk="0" fontAlgn="base" hangingPunct="0">
+              <a:spcBef>
+                <a:spcPct val="0"/>
+              </a:spcBef>
+              <a:spcAft>
+                <a:spcPct val="0"/>
+              </a:spcAft>
+              <a:defRPr sz="4000" b="1">
                 <a:solidFill>
-                  <a:srgbClr val="000000"/>
+                  <a:schemeClr val="tx2"/>
                 </a:solidFill>
-                <a:latin typeface="Comic Sans MS"/>
-                <a:ea typeface="+mj-ea"/>
-                <a:cs typeface="+mj-cs"/>
-              </a:rPr>
-              <a:t>coefficients</a:t>
-            </a:r>
+                <a:latin typeface="Times New Roman" pitchFamily="8" charset="0"/>
+              </a:defRPr>
+            </a:lvl2pPr>
+            <a:lvl3pPr algn="l" rtl="0" eaLnBrk="0" fontAlgn="base" hangingPunct="0">
+              <a:spcBef>
+                <a:spcPct val="0"/>
+              </a:spcBef>
+              <a:spcAft>
+                <a:spcPct val="0"/>
+              </a:spcAft>
+              <a:defRPr sz="4000" b="1">
+                <a:solidFill>
+                  <a:schemeClr val="tx2"/>
+                </a:solidFill>
+                <a:latin typeface="Times New Roman" pitchFamily="8" charset="0"/>
+              </a:defRPr>
+            </a:lvl3pPr>
+            <a:lvl4pPr algn="l" rtl="0" eaLnBrk="0" fontAlgn="base" hangingPunct="0">
+              <a:spcBef>
+                <a:spcPct val="0"/>
+              </a:spcBef>
+              <a:spcAft>
+                <a:spcPct val="0"/>
+              </a:spcAft>
+              <a:defRPr sz="4000" b="1">
+                <a:solidFill>
+                  <a:schemeClr val="tx2"/>
+                </a:solidFill>
+                <a:latin typeface="Times New Roman" pitchFamily="8" charset="0"/>
+              </a:defRPr>
+            </a:lvl4pPr>
+            <a:lvl5pPr algn="l" rtl="0" eaLnBrk="0" fontAlgn="base" hangingPunct="0">
+              <a:spcBef>
+                <a:spcPct val="0"/>
+              </a:spcBef>
+              <a:spcAft>
+                <a:spcPct val="0"/>
+              </a:spcAft>
+              <a:defRPr sz="4000" b="1">
+                <a:solidFill>
+                  <a:schemeClr val="tx2"/>
+                </a:solidFill>
+                <a:latin typeface="Times New Roman" pitchFamily="8" charset="0"/>
+              </a:defRPr>
+            </a:lvl5pPr>
+            <a:lvl6pPr marL="457200" algn="l" rtl="0" fontAlgn="base">
+              <a:spcBef>
+                <a:spcPct val="0"/>
+              </a:spcBef>
+              <a:spcAft>
+                <a:spcPct val="0"/>
+              </a:spcAft>
+              <a:defRPr sz="4000" b="1">
+                <a:solidFill>
+                  <a:schemeClr val="tx2"/>
+                </a:solidFill>
+                <a:latin typeface="Times New Roman" pitchFamily="8" charset="0"/>
+              </a:defRPr>
+            </a:lvl6pPr>
+            <a:lvl7pPr marL="914400" algn="l" rtl="0" fontAlgn="base">
+              <a:spcBef>
+                <a:spcPct val="0"/>
+              </a:spcBef>
+              <a:spcAft>
+                <a:spcPct val="0"/>
+              </a:spcAft>
+              <a:defRPr sz="4000" b="1">
+                <a:solidFill>
+                  <a:schemeClr val="tx2"/>
+                </a:solidFill>
+                <a:latin typeface="Times New Roman" pitchFamily="8" charset="0"/>
+              </a:defRPr>
+            </a:lvl7pPr>
+            <a:lvl8pPr marL="1371600" algn="l" rtl="0" fontAlgn="base">
+              <a:spcBef>
+                <a:spcPct val="0"/>
+              </a:spcBef>
+              <a:spcAft>
+                <a:spcPct val="0"/>
+              </a:spcAft>
+              <a:defRPr sz="4000" b="1">
+                <a:solidFill>
+                  <a:schemeClr val="tx2"/>
+                </a:solidFill>
+                <a:latin typeface="Times New Roman" pitchFamily="8" charset="0"/>
+              </a:defRPr>
+            </a:lvl8pPr>
+            <a:lvl9pPr marL="1828800" algn="l" rtl="0" fontAlgn="base">
+              <a:spcBef>
+                <a:spcPct val="0"/>
+              </a:spcBef>
+              <a:spcAft>
+                <a:spcPct val="0"/>
+              </a:spcAft>
+              <a:defRPr sz="4000" b="1">
+                <a:solidFill>
+                  <a:schemeClr val="tx2"/>
+                </a:solidFill>
+                <a:latin typeface="Times New Roman" pitchFamily="8" charset="0"/>
+              </a:defRPr>
+            </a:lvl9pPr>
+          </a:lstStyle>
+          <a:p>
+            <a:pPr eaLnBrk="1" hangingPunct="1"/>
+            <a:r>
+              <a:rPr lang="en-US" smtClean="0">
+                <a:solidFill>
+                  <a:schemeClr val="tx1"/>
+                </a:solidFill>
+              </a:rPr>
+              <a:t>multinomial coefficients</a:t>
+            </a:r>
+            <a:endParaRPr lang="en-US" dirty="0">
+              <a:solidFill>
+                <a:schemeClr val="tx1"/>
+              </a:solidFill>
+            </a:endParaRPr>
           </a:p>
         </p:txBody>
       </p:sp>
+      <p:graphicFrame>
+        <p:nvGraphicFramePr>
+          <p:cNvPr id="8" name="Object 6"/>
+          <p:cNvGraphicFramePr>
+            <a:graphicFrameLocks noChangeAspect="1"/>
+          </p:cNvGraphicFramePr>
+          <p:nvPr>
+            <p:extLst>
+              <p:ext uri="{D42A27DB-BD31-4B8C-83A1-F6EECF244321}">
+                <p14:modId xmlns:p14="http://schemas.microsoft.com/office/powerpoint/2010/main" val="3301026734"/>
+              </p:ext>
+            </p:extLst>
+          </p:nvPr>
+        </p:nvGraphicFramePr>
+        <p:xfrm>
+          <a:off x="1597701" y="1459672"/>
+          <a:ext cx="5948597" cy="3064429"/>
+        </p:xfrm>
+        <a:graphic>
+          <a:graphicData uri="http://schemas.openxmlformats.org/presentationml/2006/ole">
+            <mc:AlternateContent xmlns:mc="http://schemas.openxmlformats.org/markup-compatibility/2006">
+              <mc:Choice xmlns:v="urn:schemas-microsoft-com:vml" Requires="v">
+                <p:oleObj spid="_x0000_s136230" name="Equation" r:id="rId6" imgW="965200" imgH="495300" progId="Equation.DSMT4">
+                  <p:embed/>
+                </p:oleObj>
+              </mc:Choice>
+              <mc:Fallback>
+                <p:oleObj name="Equation" r:id="rId6" imgW="965200" imgH="495300" progId="Equation.DSMT4">
+                  <p:embed/>
+                  <p:pic>
+                    <p:nvPicPr>
+                      <p:cNvPr id="0" name=""/>
+                      <p:cNvPicPr>
+                        <a:picLocks noChangeAspect="1" noChangeArrowheads="1"/>
+                      </p:cNvPicPr>
+                      <p:nvPr/>
+                    </p:nvPicPr>
+                    <p:blipFill>
+                      <a:blip r:embed="rId7"/>
+                      <a:srcRect/>
+                      <a:stretch>
+                        <a:fillRect/>
+                      </a:stretch>
+                    </p:blipFill>
+                    <p:spPr bwMode="invGray">
+                      <a:xfrm>
+                        <a:off x="1597701" y="1459672"/>
+                        <a:ext cx="5948597" cy="3064429"/>
+                      </a:xfrm>
+                      <a:prstGeom prst="rect">
+                        <a:avLst/>
+                      </a:prstGeom>
+                      <a:noFill/>
+                      <a:ln>
+                        <a:noFill/>
+                      </a:ln>
+                      <a:extLst/>
+                    </p:spPr>
+                  </p:pic>
+                </p:oleObj>
+              </mc:Fallback>
+            </mc:AlternateContent>
+          </a:graphicData>
+        </a:graphic>
+      </p:graphicFrame>
     </p:spTree>
     <p:extLst>
       <p:ext uri="{BB962C8B-B14F-4D97-AF65-F5344CB8AC3E}">
-        <p14:creationId xmlns:p14="http://schemas.microsoft.com/office/powerpoint/2010/main" val="18662451"/>
+        <p14:creationId xmlns:p14="http://schemas.microsoft.com/office/powerpoint/2010/main" val="445613056"/>
       </p:ext>
     </p:extLst>
   </p:cSld>
   <p:clrMapOvr>
     <a:masterClrMapping/>
   </p:clrMapOvr>
-  <p:transition xmlns:p14="http://schemas.microsoft.com/office/powerpoint/2010/main">
-    <p:fade/>
-  </p:transition>
+  <mc:AlternateContent xmlns:mc="http://schemas.openxmlformats.org/markup-compatibility/2006">
+    <mc:Choice xmlns:p14="http://schemas.microsoft.com/office/powerpoint/2010/main" Requires="p14">
+      <p:transition spd="med" p14:dur="700">
+        <p:fade/>
+      </p:transition>
+    </mc:Choice>
+    <mc:Fallback>
+      <p:transition xmlns:p14="http://schemas.microsoft.com/office/powerpoint/2010/main" spd="med">
+        <p:fade/>
+      </p:transition>
+    </mc:Fallback>
+  </mc:AlternateContent>
   <p:timing>
     <p:tnLst>
       <p:par>
-        <p:cTn xmlns:p14="http://schemas.microsoft.com/office/powerpoint/2010/main" id="1" dur="indefinite" restart="never" nodeType="tmRoot"/>
+        <p:cTn xmlns:p14="http://schemas.microsoft.com/office/powerpoint/2010/main" id="1" dur="indefinite" restart="never" nodeType="tmRoot">
+          <p:childTnLst>
+            <p:seq concurrent="1" nextAc="seek">
+              <p:cTn id="2" dur="indefinite" nodeType="mainSeq">
+                <p:childTnLst>
+                  <p:par>
+                    <p:cTn id="3" fill="hold">
+                      <p:stCondLst>
+                        <p:cond delay="indefinite"/>
+                        <p:cond evt="onBegin" delay="0">
+                          <p:tn val="2"/>
+                        </p:cond>
+                      </p:stCondLst>
+                      <p:childTnLst>
+                        <p:par>
+                          <p:cTn id="4" fill="hold">
+                            <p:stCondLst>
+                              <p:cond delay="0"/>
+                            </p:stCondLst>
+                            <p:childTnLst>
+                              <p:par>
+                                <p:cTn id="5" presetID="22" presetClass="entr" presetSubtype="8" fill="hold" nodeType="afterEffect">
+                                  <p:stCondLst>
+                                    <p:cond delay="0"/>
+                                  </p:stCondLst>
+                                  <p:childTnLst>
+                                    <p:set>
+                                      <p:cBhvr>
+                                        <p:cTn id="6" dur="1" fill="hold">
+                                          <p:stCondLst>
+                                            <p:cond delay="0"/>
+                                          </p:stCondLst>
+                                        </p:cTn>
+                                        <p:tgtEl>
+                                          <p:spTgt spid="590852"/>
+                                        </p:tgtEl>
+                                        <p:attrNameLst>
+                                          <p:attrName>style.visibility</p:attrName>
+                                        </p:attrNameLst>
+                                      </p:cBhvr>
+                                      <p:to>
+                                        <p:strVal val="visible"/>
+                                      </p:to>
+                                    </p:set>
+                                    <p:animEffect transition="in" filter="wipe(left)">
+                                      <p:cBhvr>
+                                        <p:cTn id="7" dur="500"/>
+                                        <p:tgtEl>
+                                          <p:spTgt spid="590852"/>
+                                        </p:tgtEl>
+                                      </p:cBhvr>
+                                    </p:animEffect>
+                                  </p:childTnLst>
+                                </p:cTn>
+                              </p:par>
+                            </p:childTnLst>
+                          </p:cTn>
+                        </p:par>
+                      </p:childTnLst>
+                    </p:cTn>
+                  </p:par>
+                </p:childTnLst>
+              </p:cTn>
+              <p:prevCondLst>
+                <p:cond evt="onPrev" delay="0">
+                  <p:tgtEl>
+                    <p:sldTgt/>
+                  </p:tgtEl>
+                </p:cond>
+              </p:prevCondLst>
+              <p:nextCondLst>
+                <p:cond evt="onNext" delay="0">
+                  <p:tgtEl>
+                    <p:sldTgt/>
+                  </p:tgtEl>
+                </p:cond>
+              </p:nextCondLst>
+            </p:seq>
+          </p:childTnLst>
+        </p:cTn>
       </p:par>
     </p:tnLst>
   </p:timing>
 </p:sld>
 </file>
 
-<file path=ppt/slides/slide15.xml><?xml version="1.0" encoding="utf-8"?>
+<file path=ppt/slides/slide16.xml><?xml version="1.0" encoding="utf-8"?>
 <p:sld xmlns:a="http://schemas.openxmlformats.org/drawingml/2006/main" xmlns:r="http://schemas.openxmlformats.org/officeDocument/2006/relationships" xmlns:p="http://schemas.openxmlformats.org/presentationml/2006/main">
   <p:cSld>
     <p:spTree>
@@ -10509,7 +11189,7 @@
             <a:fld id="{67B4AFCC-5E15-4E97-9BE8-9E5193C2354C}" type="slidenum">
               <a:rPr lang="en-US" smtClean="0"/>
               <a:pPr/>
-              <a:t>15</a:t>
+              <a:t>16</a:t>
             </a:fld>
             <a:endParaRPr lang="en-US" dirty="0" smtClean="0"/>
           </a:p>
@@ -10538,7 +11218,7 @@
 </p:sld>
 </file>
 
-<file path=ppt/slides/slide16.xml><?xml version="1.0" encoding="utf-8"?>
+<file path=ppt/slides/slide17.xml><?xml version="1.0" encoding="utf-8"?>
 <p:sld xmlns:a="http://schemas.openxmlformats.org/drawingml/2006/main" xmlns:r="http://schemas.openxmlformats.org/officeDocument/2006/relationships" xmlns:p="http://schemas.openxmlformats.org/presentationml/2006/main" show="0">
   <p:cSld>
     <p:spTree>
@@ -10684,7 +11364,7 @@
             <a:fld id="{67B4AFCC-5E15-4E97-9BE8-9E5193C2354C}" type="slidenum">
               <a:rPr lang="en-US" smtClean="0"/>
               <a:pPr/>
-              <a:t>16</a:t>
+              <a:t>17</a:t>
             </a:fld>
             <a:endParaRPr lang="en-US" dirty="0" smtClean="0"/>
           </a:p>
@@ -11282,17 +11962,23 @@
           <p:cNvGraphicFramePr>
             <a:graphicFrameLocks noChangeAspect="1"/>
           </p:cNvGraphicFramePr>
-          <p:nvPr/>
+          <p:nvPr>
+            <p:extLst>
+              <p:ext uri="{D42A27DB-BD31-4B8C-83A1-F6EECF244321}">
+                <p14:modId xmlns:p14="http://schemas.microsoft.com/office/powerpoint/2010/main" val="3990281869"/>
+              </p:ext>
+            </p:extLst>
+          </p:nvPr>
         </p:nvGraphicFramePr>
         <p:xfrm>
-          <a:off x="7200900" y="560388"/>
+          <a:off x="6385106" y="4454071"/>
           <a:ext cx="1968500" cy="1917700"/>
         </p:xfrm>
         <a:graphic>
           <a:graphicData uri="http://schemas.openxmlformats.org/presentationml/2006/ole">
             <mc:AlternateContent xmlns:mc="http://schemas.openxmlformats.org/markup-compatibility/2006">
               <mc:Choice xmlns:v="urn:schemas-microsoft-com:vml" Requires="v">
-                <p:oleObj spid="_x0000_s139269" name="Equation" r:id="rId4" imgW="495300" imgH="482600" progId="Equation.DSMT4">
+                <p:oleObj spid="_x0000_s139275" name="Equation" r:id="rId4" imgW="495300" imgH="482600" progId="Equation.DSMT4">
                   <p:embed/>
                 </p:oleObj>
               </mc:Choice>
@@ -11322,7 +12008,7 @@
                     </p:blipFill>
                     <p:spPr bwMode="auto">
                       <a:xfrm>
-                        <a:off x="7200900" y="560388"/>
+                        <a:off x="6385106" y="4454071"/>
                         <a:ext cx="1968500" cy="1917700"/>
                       </a:xfrm>
                       <a:prstGeom prst="rect">
@@ -11448,7 +12134,7 @@
                             </p:stCondLst>
                             <p:childTnLst>
                               <p:par>
-                                <p:cTn id="5" presetID="10" presetClass="entr" presetSubtype="0" fill="hold" grpId="0" nodeType="clickEffect">
+                                <p:cTn id="5" presetID="22" presetClass="entr" presetSubtype="8" fill="hold" nodeType="clickEffect">
                                   <p:stCondLst>
                                     <p:cond delay="0"/>
                                   </p:stCondLst>
@@ -11475,7 +12161,7 @@
                                         <p:strVal val="visible"/>
                                       </p:to>
                                     </p:set>
-                                    <p:animEffect transition="in" filter="fade">
+                                    <p:animEffect transition="in" filter="wipe(left)">
                                       <p:cBhvr>
                                         <p:cTn id="7" dur="500"/>
                                         <p:tgtEl>
@@ -11509,7 +12195,7 @@
                             </p:stCondLst>
                             <p:childTnLst>
                               <p:par>
-                                <p:cTn id="10" presetID="10" presetClass="entr" presetSubtype="0" fill="hold" grpId="0" nodeType="clickEffect">
+                                <p:cTn id="10" presetID="9" presetClass="entr" presetSubtype="0" fill="hold" grpId="0" nodeType="clickEffect">
                                   <p:stCondLst>
                                     <p:cond delay="0"/>
                                   </p:stCondLst>
@@ -11536,7 +12222,7 @@
                                         <p:strVal val="visible"/>
                                       </p:to>
                                     </p:set>
-                                    <p:animEffect transition="in" filter="fade">
+                                    <p:animEffect transition="in" filter="dissolve">
                                       <p:cBhvr>
                                         <p:cTn id="12" dur="500"/>
                                         <p:tgtEl>
@@ -11684,7 +12370,7 @@
                             </p:stCondLst>
                             <p:childTnLst>
                               <p:par>
-                                <p:cTn id="25" presetID="22" presetClass="entr" presetSubtype="1" fill="hold" nodeType="clickEffect">
+                                <p:cTn id="25" presetID="22" presetClass="entr" presetSubtype="8" fill="hold" nodeType="clickEffect">
                                   <p:stCondLst>
                                     <p:cond delay="0"/>
                                   </p:stCondLst>
@@ -11711,7 +12397,7 @@
                                         <p:strVal val="visible"/>
                                       </p:to>
                                     </p:set>
-                                    <p:animEffect transition="in" filter="wipe(up)">
+                                    <p:animEffect transition="in" filter="wipe(left)">
                                       <p:cBhvr>
                                         <p:cTn id="27" dur="500"/>
                                         <p:tgtEl>
@@ -11745,7 +12431,7 @@
                             </p:stCondLst>
                             <p:childTnLst>
                               <p:par>
-                                <p:cTn id="30" presetID="22" presetClass="entr" presetSubtype="1" fill="hold" nodeType="clickEffect">
+                                <p:cTn id="30" presetID="22" presetClass="entr" presetSubtype="8" fill="hold" nodeType="clickEffect">
                                   <p:stCondLst>
                                     <p:cond delay="0"/>
                                   </p:stCondLst>
@@ -11772,7 +12458,7 @@
                                         <p:strVal val="visible"/>
                                       </p:to>
                                     </p:set>
-                                    <p:animEffect transition="in" filter="wipe(up)">
+                                    <p:animEffect transition="in" filter="wipe(left)">
                                       <p:cBhvr>
                                         <p:cTn id="32" dur="500"/>
                                         <p:tgtEl>
@@ -12176,7 +12862,7 @@
           <a:graphicData uri="http://schemas.openxmlformats.org/presentationml/2006/ole">
             <mc:AlternateContent xmlns:mc="http://schemas.openxmlformats.org/markup-compatibility/2006">
               <mc:Choice xmlns:v="urn:schemas-microsoft-com:vml" Requires="v">
-                <p:oleObj spid="_x0000_s140296" name="Equation" r:id="rId4" imgW="723900" imgH="533400" progId="Equation.3">
+                <p:oleObj spid="_x0000_s140306" name="Equation" r:id="rId4" imgW="723900" imgH="533400" progId="Equation.3">
                   <p:embed/>
                 </p:oleObj>
               </mc:Choice>
@@ -12246,7 +12932,7 @@
           <a:graphicData uri="http://schemas.openxmlformats.org/presentationml/2006/ole">
             <mc:AlternateContent xmlns:mc="http://schemas.openxmlformats.org/markup-compatibility/2006">
               <mc:Choice xmlns:v="urn:schemas-microsoft-com:vml" Requires="v">
-                <p:oleObj spid="_x0000_s140297" name="Equation" r:id="rId6" imgW="1130300" imgH="558800" progId="Equation.3">
+                <p:oleObj spid="_x0000_s140307" name="Equation" r:id="rId6" imgW="1130300" imgH="558800" progId="Equation.3">
                   <p:embed/>
                 </p:oleObj>
               </mc:Choice>
@@ -12720,6 +13406,275 @@
 </file>
 
 <file path=ppt/slides/slide4.xml><?xml version="1.0" encoding="utf-8"?>
+<p:sld xmlns:a="http://schemas.openxmlformats.org/drawingml/2006/main" xmlns:r="http://schemas.openxmlformats.org/officeDocument/2006/relationships" xmlns:p="http://schemas.openxmlformats.org/presentationml/2006/main">
+  <p:cSld>
+    <p:spTree>
+      <p:nvGrpSpPr>
+        <p:cNvPr id="1" name=""/>
+        <p:cNvGrpSpPr/>
+        <p:nvPr/>
+      </p:nvGrpSpPr>
+      <p:grpSpPr>
+        <a:xfrm>
+          <a:off x="0" y="0"/>
+          <a:ext cx="0" cy="0"/>
+          <a:chOff x="0" y="0"/>
+          <a:chExt cx="0" cy="0"/>
+        </a:xfrm>
+      </p:grpSpPr>
+      <p:graphicFrame>
+        <p:nvGraphicFramePr>
+          <p:cNvPr id="2" name="Object 1"/>
+          <p:cNvGraphicFramePr>
+            <a:graphicFrameLocks noChangeAspect="1"/>
+          </p:cNvGraphicFramePr>
+          <p:nvPr>
+            <p:extLst>
+              <p:ext uri="{D42A27DB-BD31-4B8C-83A1-F6EECF244321}">
+                <p14:modId xmlns:p14="http://schemas.microsoft.com/office/powerpoint/2010/main" val="2055838594"/>
+              </p:ext>
+            </p:extLst>
+          </p:nvPr>
+        </p:nvGraphicFramePr>
+        <p:xfrm>
+          <a:off x="1854200" y="2560638"/>
+          <a:ext cx="5537200" cy="2184400"/>
+        </p:xfrm>
+        <a:graphic>
+          <a:graphicData uri="http://schemas.openxmlformats.org/presentationml/2006/ole">
+            <mc:AlternateContent xmlns:mc="http://schemas.openxmlformats.org/markup-compatibility/2006">
+              <mc:Choice xmlns:v="urn:schemas-microsoft-com:vml" Requires="v">
+                <p:oleObj spid="_x0000_s138261" name="Equation" r:id="rId4" imgW="1384300" imgH="546100" progId="Equation.DSMT4">
+                  <p:embed/>
+                </p:oleObj>
+              </mc:Choice>
+              <mc:Fallback>
+                <p:oleObj name="Equation" r:id="rId4" imgW="1384300" imgH="546100" progId="Equation.DSMT4">
+                  <p:embed/>
+                  <p:pic>
+                    <p:nvPicPr>
+                      <p:cNvPr id="0" name=""/>
+                      <p:cNvPicPr>
+                        <a:picLocks noChangeAspect="1" noChangeArrowheads="1"/>
+                      </p:cNvPicPr>
+                      <p:nvPr/>
+                    </p:nvPicPr>
+                    <p:blipFill>
+                      <a:blip r:embed="rId5"/>
+                      <a:srcRect/>
+                      <a:stretch>
+                        <a:fillRect/>
+                      </a:stretch>
+                    </p:blipFill>
+                    <p:spPr bwMode="auto">
+                      <a:xfrm>
+                        <a:off x="1854200" y="2560638"/>
+                        <a:ext cx="5537200" cy="2184400"/>
+                      </a:xfrm>
+                      <a:prstGeom prst="rect">
+                        <a:avLst/>
+                      </a:prstGeom>
+                      <a:noFill/>
+                      <a:extLst>
+                        <a:ext uri="{909E8E84-426E-40dd-AFC4-6F175D3DCCD1}">
+                          <a14:hiddenFill xmlns:a14="http://schemas.microsoft.com/office/drawing/2010/main">
+                            <a:solidFill>
+                              <a:srgbClr val="FFFFFF"/>
+                            </a:solidFill>
+                          </a14:hiddenFill>
+                        </a:ext>
+                      </a:extLst>
+                    </p:spPr>
+                  </p:pic>
+                </p:oleObj>
+              </mc:Fallback>
+            </mc:AlternateContent>
+          </a:graphicData>
+        </a:graphic>
+      </p:graphicFrame>
+      <p:sp>
+        <p:nvSpPr>
+          <p:cNvPr id="3" name="Text Box 5"/>
+          <p:cNvSpPr txBox="1">
+            <a:spLocks noChangeArrowheads="1"/>
+          </p:cNvSpPr>
+          <p:nvPr/>
+        </p:nvSpPr>
+        <p:spPr bwMode="auto">
+          <a:xfrm>
+            <a:off x="747019" y="1325677"/>
+            <a:ext cx="7518400" cy="914400"/>
+          </a:xfrm>
+          <a:prstGeom prst="rect">
+            <a:avLst/>
+          </a:prstGeom>
+          <a:noFill/>
+          <a:ln w="38100">
+            <a:noFill/>
+            <a:miter lim="800000"/>
+            <a:headEnd/>
+            <a:tailEnd/>
+          </a:ln>
+        </p:spPr>
+        <p:txBody>
+          <a:bodyPr wrap="none">
+            <a:spAutoFit/>
+          </a:bodyPr>
+          <a:lstStyle/>
+          <a:p>
+            <a:pPr eaLnBrk="0" fontAlgn="base" hangingPunct="0">
+              <a:spcBef>
+                <a:spcPct val="0"/>
+              </a:spcBef>
+              <a:spcAft>
+                <a:spcPct val="0"/>
+              </a:spcAft>
+            </a:pPr>
+            <a:r>
+              <a:rPr lang="en-US" sz="5400" dirty="0">
+                <a:solidFill>
+                  <a:srgbClr val="7030A0"/>
+                </a:solidFill>
+                <a:latin typeface="Comic Sans MS" pitchFamily="66" charset="0"/>
+              </a:rPr>
+              <a:t>binomial a special case</a:t>
+            </a:r>
+            <a:r>
+              <a:rPr lang="en-US" sz="5400" dirty="0">
+                <a:solidFill>
+                  <a:srgbClr val="7030A0"/>
+                </a:solidFill>
+                <a:latin typeface="Arial" charset="0"/>
+              </a:rPr>
+              <a:t>:</a:t>
+            </a:r>
+          </a:p>
+        </p:txBody>
+      </p:sp>
+      <p:sp>
+        <p:nvSpPr>
+          <p:cNvPr id="6" name="Slide Number Placeholder 4"/>
+          <p:cNvSpPr>
+            <a:spLocks noGrp="1"/>
+          </p:cNvSpPr>
+          <p:nvPr>
+            <p:ph type="sldNum" sz="quarter" idx="10"/>
+          </p:nvPr>
+        </p:nvSpPr>
+        <p:spPr>
+          <a:xfrm>
+            <a:off x="6400800" y="6613525"/>
+            <a:ext cx="2667000" cy="261938"/>
+          </a:xfrm>
+          <a:noFill/>
+        </p:spPr>
+        <p:txBody>
+          <a:bodyPr/>
+          <a:lstStyle/>
+          <a:p>
+            <a:r>
+              <a:rPr lang="en-US" dirty="0" err="1" smtClean="0"/>
+              <a:t>lec</a:t>
+            </a:r>
+            <a:r>
+              <a:rPr lang="en-US" dirty="0" smtClean="0"/>
+              <a:t> 10W.</a:t>
+            </a:r>
+            <a:fld id="{67B4AFCC-5E15-4E97-9BE8-9E5193C2354C}" type="slidenum">
+              <a:rPr lang="en-US" smtClean="0"/>
+              <a:pPr/>
+              <a:t>4</a:t>
+            </a:fld>
+            <a:endParaRPr lang="en-US" dirty="0" smtClean="0"/>
+          </a:p>
+        </p:txBody>
+      </p:sp>
+      <p:sp>
+        <p:nvSpPr>
+          <p:cNvPr id="7" name="Text Box 7"/>
+          <p:cNvSpPr txBox="1">
+            <a:spLocks noChangeArrowheads="1"/>
+          </p:cNvSpPr>
+          <p:nvPr/>
+        </p:nvSpPr>
+        <p:spPr bwMode="auto">
+          <a:xfrm>
+            <a:off x="1447800" y="304800"/>
+            <a:ext cx="6067459" cy="730370"/>
+          </a:xfrm>
+          <a:prstGeom prst="rect">
+            <a:avLst/>
+          </a:prstGeom>
+          <a:noFill/>
+          <a:ln w="9525">
+            <a:noFill/>
+            <a:miter lim="800000"/>
+            <a:headEnd/>
+            <a:tailEnd/>
+          </a:ln>
+        </p:spPr>
+        <p:txBody>
+          <a:bodyPr anchor="ctr"/>
+          <a:lstStyle/>
+          <a:p>
+            <a:pPr fontAlgn="base">
+              <a:spcBef>
+                <a:spcPct val="0"/>
+              </a:spcBef>
+              <a:spcAft>
+                <a:spcPct val="0"/>
+              </a:spcAft>
+              <a:defRPr/>
+            </a:pPr>
+            <a:r>
+              <a:rPr lang="en-US" sz="4400" b="1" dirty="0" smtClean="0">
+                <a:solidFill>
+                  <a:srgbClr val="000000"/>
+                </a:solidFill>
+                <a:latin typeface="Comic Sans MS"/>
+                <a:ea typeface="+mj-ea"/>
+                <a:cs typeface="+mj-cs"/>
+              </a:rPr>
+              <a:t>binomial </a:t>
+            </a:r>
+            <a:r>
+              <a:rPr lang="en-US" sz="4400" b="1" dirty="0">
+                <a:solidFill>
+                  <a:srgbClr val="000000"/>
+                </a:solidFill>
+                <a:latin typeface="Comic Sans MS"/>
+                <a:ea typeface="+mj-ea"/>
+                <a:cs typeface="+mj-cs"/>
+              </a:rPr>
+              <a:t>coefficients</a:t>
+            </a:r>
+          </a:p>
+        </p:txBody>
+      </p:sp>
+    </p:spTree>
+    <p:extLst>
+      <p:ext uri="{BB962C8B-B14F-4D97-AF65-F5344CB8AC3E}">
+        <p14:creationId xmlns:p14="http://schemas.microsoft.com/office/powerpoint/2010/main" val="18662451"/>
+      </p:ext>
+    </p:extLst>
+  </p:cSld>
+  <p:clrMapOvr>
+    <a:masterClrMapping/>
+  </p:clrMapOvr>
+  <p:transition xmlns:p14="http://schemas.microsoft.com/office/powerpoint/2010/main">
+    <p:fade/>
+  </p:transition>
+  <p:timing>
+    <p:tnLst>
+      <p:par>
+        <p:cTn xmlns:p14="http://schemas.microsoft.com/office/powerpoint/2010/main" id="1" dur="indefinite" restart="never" nodeType="tmRoot"/>
+      </p:par>
+    </p:tnLst>
+  </p:timing>
+</p:sld>
+</file>
+
+<file path=ppt/slides/slide5.xml><?xml version="1.0" encoding="utf-8"?>
 <p:sld xmlns:a="http://schemas.openxmlformats.org/drawingml/2006/main" xmlns:r="http://schemas.openxmlformats.org/officeDocument/2006/relationships" xmlns:p="http://schemas.openxmlformats.org/presentationml/2006/main" show="0">
   <p:cSld>
     <p:spTree>
@@ -12989,7 +13944,7 @@
             <a:fld id="{67B4AFCC-5E15-4E97-9BE8-9E5193C2354C}" type="slidenum">
               <a:rPr lang="en-US" smtClean="0"/>
               <a:pPr/>
-              <a:t>4</a:t>
+              <a:t>5</a:t>
             </a:fld>
             <a:endParaRPr lang="en-US" dirty="0" smtClean="0"/>
           </a:p>
@@ -13151,7 +14106,7 @@
 </p:sld>
 </file>
 
-<file path=ppt/slides/slide5.xml><?xml version="1.0" encoding="utf-8"?>
+<file path=ppt/slides/slide6.xml><?xml version="1.0" encoding="utf-8"?>
 <p:sld xmlns:a="http://schemas.openxmlformats.org/drawingml/2006/main" xmlns:r="http://schemas.openxmlformats.org/officeDocument/2006/relationships" xmlns:p="http://schemas.openxmlformats.org/presentationml/2006/main">
   <p:cSld>
     <p:spTree>
@@ -13445,7 +14400,7 @@
             <a:fld id="{67B4AFCC-5E15-4E97-9BE8-9E5193C2354C}" type="slidenum">
               <a:rPr lang="en-US" smtClean="0"/>
               <a:pPr/>
-              <a:t>5</a:t>
+              <a:t>6</a:t>
             </a:fld>
             <a:endParaRPr lang="en-US" dirty="0" smtClean="0"/>
           </a:p>
@@ -13624,7 +14579,7 @@
 </p:sld>
 </file>
 
-<file path=ppt/slides/slide6.xml><?xml version="1.0" encoding="utf-8"?>
+<file path=ppt/slides/slide7.xml><?xml version="1.0" encoding="utf-8"?>
 <p:sld xmlns:a="http://schemas.openxmlformats.org/drawingml/2006/main" xmlns:r="http://schemas.openxmlformats.org/officeDocument/2006/relationships" xmlns:p="http://schemas.openxmlformats.org/presentationml/2006/main">
   <p:cSld>
     <p:spTree>
@@ -13840,7 +14795,7 @@
           <a:graphicData uri="http://schemas.openxmlformats.org/presentationml/2006/ole">
             <mc:AlternateContent xmlns:mc="http://schemas.openxmlformats.org/markup-compatibility/2006">
               <mc:Choice xmlns:v="urn:schemas-microsoft-com:vml" Requires="v">
-                <p:oleObj spid="_x0000_s132110" name="Equation" r:id="rId4" imgW="1028700" imgH="571500" progId="Equation.DSMT4">
+                <p:oleObj spid="_x0000_s132116" name="Equation" r:id="rId4" imgW="1028700" imgH="571500" progId="Equation.DSMT4">
                   <p:embed/>
                 </p:oleObj>
               </mc:Choice>
@@ -13912,7 +14867,7 @@
             <a:fld id="{67B4AFCC-5E15-4E97-9BE8-9E5193C2354C}" type="slidenum">
               <a:rPr lang="en-US" smtClean="0"/>
               <a:pPr/>
-              <a:t>6</a:t>
+              <a:t>7</a:t>
             </a:fld>
             <a:endParaRPr lang="en-US" dirty="0" smtClean="0"/>
           </a:p>
@@ -14017,7 +14972,7 @@
 </p:sld>
 </file>
 
-<file path=ppt/slides/slide7.xml><?xml version="1.0" encoding="utf-8"?>
+<file path=ppt/slides/slide8.xml><?xml version="1.0" encoding="utf-8"?>
 <p:sld xmlns:a="http://schemas.openxmlformats.org/drawingml/2006/main" xmlns:r="http://schemas.openxmlformats.org/officeDocument/2006/relationships" xmlns:p="http://schemas.openxmlformats.org/presentationml/2006/main" show="0">
   <p:cSld>
     <p:spTree>
@@ -14233,7 +15188,7 @@
           <a:graphicData uri="http://schemas.openxmlformats.org/presentationml/2006/ole">
             <mc:AlternateContent xmlns:mc="http://schemas.openxmlformats.org/markup-compatibility/2006">
               <mc:Choice xmlns:v="urn:schemas-microsoft-com:vml" Requires="v">
-                <p:oleObj spid="_x0000_s141317" name="Equation" r:id="rId4" imgW="1955800" imgH="571500" progId="Equation.DSMT4">
+                <p:oleObj spid="_x0000_s141323" name="Equation" r:id="rId4" imgW="1955800" imgH="571500" progId="Equation.DSMT4">
                   <p:embed/>
                 </p:oleObj>
               </mc:Choice>
@@ -14305,7 +15260,7 @@
             <a:fld id="{67B4AFCC-5E15-4E97-9BE8-9E5193C2354C}" type="slidenum">
               <a:rPr lang="en-US" smtClean="0"/>
               <a:pPr/>
-              <a:t>7</a:t>
+              <a:t>8</a:t>
             </a:fld>
             <a:endParaRPr lang="en-US" dirty="0" smtClean="0"/>
           </a:p>
@@ -14410,7 +15365,7 @@
 </p:sld>
 </file>
 
-<file path=ppt/slides/slide8.xml><?xml version="1.0" encoding="utf-8"?>
+<file path=ppt/slides/slide9.xml><?xml version="1.0" encoding="utf-8"?>
 <p:sld xmlns:a="http://schemas.openxmlformats.org/drawingml/2006/main" xmlns:r="http://schemas.openxmlformats.org/officeDocument/2006/relationships" xmlns:p="http://schemas.openxmlformats.org/presentationml/2006/main" show="0">
   <p:cSld>
     <p:spTree>
@@ -14481,7 +15436,7 @@
           <a:graphicData uri="http://schemas.openxmlformats.org/presentationml/2006/ole">
             <mc:AlternateContent xmlns:mc="http://schemas.openxmlformats.org/markup-compatibility/2006">
               <mc:Choice xmlns:v="urn:schemas-microsoft-com:vml" Requires="v">
-                <p:oleObj spid="_x0000_s133134" name="Equation" r:id="rId4" imgW="2082800" imgH="622300" progId="Equation.3">
+                <p:oleObj spid="_x0000_s133140" name="Equation" r:id="rId4" imgW="2082800" imgH="622300" progId="Equation.3">
                   <p:embed/>
                 </p:oleObj>
               </mc:Choice>
@@ -14574,7 +15529,7 @@
             <a:fld id="{67B4AFCC-5E15-4E97-9BE8-9E5193C2354C}" type="slidenum">
               <a:rPr lang="en-US" smtClean="0"/>
               <a:pPr/>
-              <a:t>8</a:t>
+              <a:t>9</a:t>
             </a:fld>
             <a:endParaRPr lang="en-US" dirty="0" smtClean="0"/>
           </a:p>
@@ -14608,565 +15563,6 @@
         <p:cTn xmlns:p14="http://schemas.microsoft.com/office/powerpoint/2010/main" id="1" dur="indefinite" restart="never" nodeType="tmRoot"/>
       </p:par>
     </p:tnLst>
-  </p:timing>
-</p:sld>
-</file>
-
-<file path=ppt/slides/slide9.xml><?xml version="1.0" encoding="utf-8"?>
-<p:sld xmlns:a="http://schemas.openxmlformats.org/drawingml/2006/main" xmlns:r="http://schemas.openxmlformats.org/officeDocument/2006/relationships" xmlns:p="http://schemas.openxmlformats.org/presentationml/2006/main">
-  <p:cSld>
-    <p:spTree>
-      <p:nvGrpSpPr>
-        <p:cNvPr id="1" name=""/>
-        <p:cNvGrpSpPr/>
-        <p:nvPr/>
-      </p:nvGrpSpPr>
-      <p:grpSpPr>
-        <a:xfrm>
-          <a:off x="0" y="0"/>
-          <a:ext cx="0" cy="0"/>
-          <a:chOff x="0" y="0"/>
-          <a:chExt cx="0" cy="0"/>
-        </a:xfrm>
-      </p:grpSpPr>
-      <p:sp>
-        <p:nvSpPr>
-          <p:cNvPr id="587780" name="Text Box 4"/>
-          <p:cNvSpPr txBox="1">
-            <a:spLocks noChangeArrowheads="1"/>
-          </p:cNvSpPr>
-          <p:nvPr/>
-        </p:nvSpPr>
-        <p:spPr bwMode="auto">
-          <a:xfrm>
-            <a:off x="1524000" y="4191001"/>
-            <a:ext cx="6019800" cy="2355850"/>
-          </a:xfrm>
-          <a:prstGeom prst="rect">
-            <a:avLst/>
-          </a:prstGeom>
-          <a:noFill/>
-          <a:ln w="38100" cap="sq">
-            <a:solidFill>
-              <a:srgbClr val="006600"/>
-            </a:solidFill>
-            <a:miter lim="800000"/>
-            <a:headEnd/>
-            <a:tailEnd/>
-          </a:ln>
-        </p:spPr>
-        <p:txBody>
-          <a:bodyPr wrap="square" lIns="274320" rIns="274320" anchor="ctr">
-            <a:spAutoFit/>
-          </a:bodyPr>
-          <a:lstStyle/>
-          <a:p>
-            <a:pPr eaLnBrk="0" fontAlgn="base" hangingPunct="0">
-              <a:spcBef>
-                <a:spcPct val="0"/>
-              </a:spcBef>
-              <a:spcAft>
-                <a:spcPct val="0"/>
-              </a:spcAft>
-            </a:pPr>
-            <a:r>
-              <a:rPr lang="en-US" sz="3600" dirty="0">
-                <a:latin typeface="Comic Sans MS" pitchFamily="66" charset="0"/>
-              </a:rPr>
-              <a:t>The number of ways to rearrange the letters in the word</a:t>
-            </a:r>
-          </a:p>
-          <a:p>
-            <a:pPr algn="ctr" eaLnBrk="0" fontAlgn="base" hangingPunct="0">
-              <a:spcBef>
-                <a:spcPct val="0"/>
-              </a:spcBef>
-              <a:spcAft>
-                <a:spcPct val="0"/>
-              </a:spcAft>
-            </a:pPr>
-            <a:r>
-              <a:rPr lang="en-US" sz="3600" dirty="0">
-                <a:solidFill>
-                  <a:srgbClr val="0000FF"/>
-                </a:solidFill>
-                <a:latin typeface="Comic Sans MS" pitchFamily="66" charset="0"/>
-              </a:rPr>
-              <a:t>BANANA</a:t>
-            </a:r>
-          </a:p>
-        </p:txBody>
-      </p:sp>
-      <p:sp>
-        <p:nvSpPr>
-          <p:cNvPr id="587778" name="Rectangle 2"/>
-          <p:cNvSpPr>
-            <a:spLocks noChangeArrowheads="1"/>
-          </p:cNvSpPr>
-          <p:nvPr/>
-        </p:nvSpPr>
-        <p:spPr bwMode="white">
-          <a:xfrm rot="21582856">
-            <a:off x="609601" y="1391343"/>
-            <a:ext cx="7924800" cy="2813050"/>
-          </a:xfrm>
-          <a:prstGeom prst="rect">
-            <a:avLst/>
-          </a:prstGeom>
-          <a:noFill/>
-          <a:ln w="12700" cap="sq">
-            <a:noFill/>
-            <a:miter lim="800000"/>
-            <a:headEnd type="none" w="sm" len="sm"/>
-            <a:tailEnd type="none" w="sm" len="sm"/>
-          </a:ln>
-          <a:effectLst/>
-        </p:spPr>
-        <p:txBody>
-          <a:bodyPr lIns="274320" rIns="274320" anchor="ctr"/>
-          <a:lstStyle/>
-          <a:p>
-            <a:pPr algn="ctr" eaLnBrk="0" fontAlgn="base" hangingPunct="0">
-              <a:spcBef>
-                <a:spcPct val="0"/>
-              </a:spcBef>
-              <a:spcAft>
-                <a:spcPct val="0"/>
-              </a:spcAft>
-              <a:defRPr/>
-            </a:pPr>
-            <a:r>
-              <a:rPr lang="en-US" sz="4400" dirty="0">
-                <a:latin typeface="Comic Sans MS" pitchFamily="66" charset="0"/>
-              </a:rPr>
-              <a:t>What is the coefficient of </a:t>
-            </a:r>
-            <a:r>
-              <a:rPr lang="en-US" sz="4400" dirty="0">
-                <a:solidFill>
-                  <a:srgbClr val="0000FF"/>
-                </a:solidFill>
-                <a:latin typeface="Comic Sans MS" pitchFamily="66" charset="0"/>
-              </a:rPr>
-              <a:t>BA</a:t>
-            </a:r>
-            <a:r>
-              <a:rPr lang="en-US" sz="4800" baseline="30000" dirty="0">
-                <a:solidFill>
-                  <a:srgbClr val="FF00FF"/>
-                </a:solidFill>
-                <a:latin typeface="Comic Sans MS" pitchFamily="66" charset="0"/>
-              </a:rPr>
-              <a:t>3</a:t>
-            </a:r>
-            <a:r>
-              <a:rPr lang="en-US" sz="4400" dirty="0">
-                <a:solidFill>
-                  <a:srgbClr val="0000FF"/>
-                </a:solidFill>
-                <a:latin typeface="Comic Sans MS" pitchFamily="66" charset="0"/>
-              </a:rPr>
-              <a:t>N</a:t>
-            </a:r>
-            <a:r>
-              <a:rPr lang="en-US" sz="4800" baseline="30000" dirty="0">
-                <a:solidFill>
-                  <a:srgbClr val="FF00FF"/>
-                </a:solidFill>
-                <a:latin typeface="Comic Sans MS" pitchFamily="66" charset="0"/>
-              </a:rPr>
-              <a:t>2</a:t>
-            </a:r>
-            <a:endParaRPr lang="en-US" sz="4400" dirty="0">
-              <a:solidFill>
-                <a:srgbClr val="FF00FF"/>
-              </a:solidFill>
-              <a:latin typeface="Comic Sans MS" pitchFamily="66" charset="0"/>
-            </a:endParaRPr>
-          </a:p>
-          <a:p>
-            <a:pPr eaLnBrk="0" fontAlgn="base" hangingPunct="0">
-              <a:spcBef>
-                <a:spcPct val="0"/>
-              </a:spcBef>
-              <a:spcAft>
-                <a:spcPct val="0"/>
-              </a:spcAft>
-              <a:defRPr/>
-            </a:pPr>
-            <a:r>
-              <a:rPr lang="en-US" sz="4400" dirty="0">
-                <a:latin typeface="Comic Sans MS" pitchFamily="66" charset="0"/>
-              </a:rPr>
-              <a:t>in the expansion of</a:t>
-            </a:r>
-          </a:p>
-          <a:p>
-            <a:pPr algn="ctr" eaLnBrk="0" fontAlgn="base" hangingPunct="0">
-              <a:spcBef>
-                <a:spcPct val="0"/>
-              </a:spcBef>
-              <a:spcAft>
-                <a:spcPct val="0"/>
-              </a:spcAft>
-              <a:defRPr/>
-            </a:pPr>
-            <a:r>
-              <a:rPr lang="en-US" sz="4400" dirty="0" smtClean="0">
-                <a:solidFill>
-                  <a:srgbClr val="0000FF"/>
-                </a:solidFill>
-                <a:latin typeface="Comic Sans MS" pitchFamily="66" charset="0"/>
-              </a:rPr>
-              <a:t>    (</a:t>
-            </a:r>
-            <a:r>
-              <a:rPr lang="en-US" sz="4400" dirty="0">
-                <a:solidFill>
-                  <a:srgbClr val="0000FF"/>
-                </a:solidFill>
-                <a:latin typeface="Comic Sans MS" pitchFamily="66" charset="0"/>
-              </a:rPr>
-              <a:t>B + A + N)</a:t>
-            </a:r>
-            <a:r>
-              <a:rPr lang="en-US" sz="4800" baseline="30000" dirty="0">
-                <a:solidFill>
-                  <a:srgbClr val="008000"/>
-                </a:solidFill>
-                <a:latin typeface="Comic Sans MS" pitchFamily="66" charset="0"/>
-              </a:rPr>
-              <a:t>6</a:t>
-            </a:r>
-            <a:r>
-              <a:rPr lang="en-US" sz="4400" baseline="30000" dirty="0">
-                <a:latin typeface="Comic Sans MS" pitchFamily="66" charset="0"/>
-              </a:rPr>
-              <a:t>  </a:t>
-            </a:r>
-            <a:r>
-              <a:rPr lang="en-US" sz="4400" dirty="0">
-                <a:latin typeface="Comic Sans MS" pitchFamily="66" charset="0"/>
-              </a:rPr>
-              <a:t>?</a:t>
-            </a:r>
-          </a:p>
-        </p:txBody>
-      </p:sp>
-      <p:sp>
-        <p:nvSpPr>
-          <p:cNvPr id="6" name="Slide Number Placeholder 4"/>
-          <p:cNvSpPr>
-            <a:spLocks noGrp="1"/>
-          </p:cNvSpPr>
-          <p:nvPr>
-            <p:ph type="sldNum" sz="quarter" idx="10"/>
-          </p:nvPr>
-        </p:nvSpPr>
-        <p:spPr>
-          <a:xfrm>
-            <a:off x="6400800" y="6613525"/>
-            <a:ext cx="2667000" cy="261938"/>
-          </a:xfrm>
-          <a:noFill/>
-        </p:spPr>
-        <p:txBody>
-          <a:bodyPr/>
-          <a:lstStyle/>
-          <a:p>
-            <a:r>
-              <a:rPr lang="en-US" dirty="0" err="1" smtClean="0"/>
-              <a:t>lec</a:t>
-            </a:r>
-            <a:r>
-              <a:rPr lang="en-US" dirty="0" smtClean="0"/>
-              <a:t> 10W.</a:t>
-            </a:r>
-            <a:fld id="{67B4AFCC-5E15-4E97-9BE8-9E5193C2354C}" type="slidenum">
-              <a:rPr lang="en-US" smtClean="0"/>
-              <a:pPr/>
-              <a:t>9</a:t>
-            </a:fld>
-            <a:endParaRPr lang="en-US" dirty="0" smtClean="0"/>
-          </a:p>
-        </p:txBody>
-      </p:sp>
-      <p:sp>
-        <p:nvSpPr>
-          <p:cNvPr id="7" name="Rectangle 5"/>
-          <p:cNvSpPr txBox="1">
-            <a:spLocks noChangeArrowheads="1"/>
-          </p:cNvSpPr>
-          <p:nvPr/>
-        </p:nvSpPr>
-        <p:spPr bwMode="auto">
-          <a:xfrm>
-            <a:off x="1600200" y="278702"/>
-            <a:ext cx="7176300" cy="956541"/>
-          </a:xfrm>
-          <a:prstGeom prst="rect">
-            <a:avLst/>
-          </a:prstGeom>
-          <a:noFill/>
-          <a:ln w="9525">
-            <a:noFill/>
-            <a:miter lim="800000"/>
-            <a:headEnd/>
-            <a:tailEnd/>
-          </a:ln>
-        </p:spPr>
-        <p:txBody>
-          <a:bodyPr vert="horz" wrap="square" lIns="91440" tIns="45720" rIns="91440" bIns="45720" numCol="1" anchor="ctr" anchorCtr="0" compatLnSpc="1">
-            <a:prstTxWarp prst="textNoShape">
-              <a:avLst/>
-            </a:prstTxWarp>
-          </a:bodyPr>
-          <a:lstStyle>
-            <a:lvl1pPr algn="l" rtl="0" eaLnBrk="0" fontAlgn="base" hangingPunct="0">
-              <a:spcBef>
-                <a:spcPct val="0"/>
-              </a:spcBef>
-              <a:spcAft>
-                <a:spcPct val="0"/>
-              </a:spcAft>
-              <a:defRPr sz="4000" b="1">
-                <a:solidFill>
-                  <a:schemeClr val="tx2"/>
-                </a:solidFill>
-                <a:latin typeface="Comic Sans MS" pitchFamily="66" charset="0"/>
-                <a:ea typeface="+mj-ea"/>
-                <a:cs typeface="+mj-cs"/>
-              </a:defRPr>
-            </a:lvl1pPr>
-            <a:lvl2pPr algn="l" rtl="0" eaLnBrk="0" fontAlgn="base" hangingPunct="0">
-              <a:spcBef>
-                <a:spcPct val="0"/>
-              </a:spcBef>
-              <a:spcAft>
-                <a:spcPct val="0"/>
-              </a:spcAft>
-              <a:defRPr sz="4000" b="1">
-                <a:solidFill>
-                  <a:schemeClr val="tx2"/>
-                </a:solidFill>
-                <a:latin typeface="Times New Roman" pitchFamily="8" charset="0"/>
-              </a:defRPr>
-            </a:lvl2pPr>
-            <a:lvl3pPr algn="l" rtl="0" eaLnBrk="0" fontAlgn="base" hangingPunct="0">
-              <a:spcBef>
-                <a:spcPct val="0"/>
-              </a:spcBef>
-              <a:spcAft>
-                <a:spcPct val="0"/>
-              </a:spcAft>
-              <a:defRPr sz="4000" b="1">
-                <a:solidFill>
-                  <a:schemeClr val="tx2"/>
-                </a:solidFill>
-                <a:latin typeface="Times New Roman" pitchFamily="8" charset="0"/>
-              </a:defRPr>
-            </a:lvl3pPr>
-            <a:lvl4pPr algn="l" rtl="0" eaLnBrk="0" fontAlgn="base" hangingPunct="0">
-              <a:spcBef>
-                <a:spcPct val="0"/>
-              </a:spcBef>
-              <a:spcAft>
-                <a:spcPct val="0"/>
-              </a:spcAft>
-              <a:defRPr sz="4000" b="1">
-                <a:solidFill>
-                  <a:schemeClr val="tx2"/>
-                </a:solidFill>
-                <a:latin typeface="Times New Roman" pitchFamily="8" charset="0"/>
-              </a:defRPr>
-            </a:lvl4pPr>
-            <a:lvl5pPr algn="l" rtl="0" eaLnBrk="0" fontAlgn="base" hangingPunct="0">
-              <a:spcBef>
-                <a:spcPct val="0"/>
-              </a:spcBef>
-              <a:spcAft>
-                <a:spcPct val="0"/>
-              </a:spcAft>
-              <a:defRPr sz="4000" b="1">
-                <a:solidFill>
-                  <a:schemeClr val="tx2"/>
-                </a:solidFill>
-                <a:latin typeface="Times New Roman" pitchFamily="8" charset="0"/>
-              </a:defRPr>
-            </a:lvl5pPr>
-            <a:lvl6pPr marL="457200" algn="l" rtl="0" fontAlgn="base">
-              <a:spcBef>
-                <a:spcPct val="0"/>
-              </a:spcBef>
-              <a:spcAft>
-                <a:spcPct val="0"/>
-              </a:spcAft>
-              <a:defRPr sz="4000" b="1">
-                <a:solidFill>
-                  <a:schemeClr val="tx2"/>
-                </a:solidFill>
-                <a:latin typeface="Times New Roman" pitchFamily="8" charset="0"/>
-              </a:defRPr>
-            </a:lvl6pPr>
-            <a:lvl7pPr marL="914400" algn="l" rtl="0" fontAlgn="base">
-              <a:spcBef>
-                <a:spcPct val="0"/>
-              </a:spcBef>
-              <a:spcAft>
-                <a:spcPct val="0"/>
-              </a:spcAft>
-              <a:defRPr sz="4000" b="1">
-                <a:solidFill>
-                  <a:schemeClr val="tx2"/>
-                </a:solidFill>
-                <a:latin typeface="Times New Roman" pitchFamily="8" charset="0"/>
-              </a:defRPr>
-            </a:lvl7pPr>
-            <a:lvl8pPr marL="1371600" algn="l" rtl="0" fontAlgn="base">
-              <a:spcBef>
-                <a:spcPct val="0"/>
-              </a:spcBef>
-              <a:spcAft>
-                <a:spcPct val="0"/>
-              </a:spcAft>
-              <a:defRPr sz="4000" b="1">
-                <a:solidFill>
-                  <a:schemeClr val="tx2"/>
-                </a:solidFill>
-                <a:latin typeface="Times New Roman" pitchFamily="8" charset="0"/>
-              </a:defRPr>
-            </a:lvl8pPr>
-            <a:lvl9pPr marL="1828800" algn="l" rtl="0" fontAlgn="base">
-              <a:spcBef>
-                <a:spcPct val="0"/>
-              </a:spcBef>
-              <a:spcAft>
-                <a:spcPct val="0"/>
-              </a:spcAft>
-              <a:defRPr sz="4000" b="1">
-                <a:solidFill>
-                  <a:schemeClr val="tx2"/>
-                </a:solidFill>
-                <a:latin typeface="Times New Roman" pitchFamily="8" charset="0"/>
-              </a:defRPr>
-            </a:lvl9pPr>
-          </a:lstStyle>
-          <a:p>
-            <a:pPr eaLnBrk="1" hangingPunct="1"/>
-            <a:r>
-              <a:rPr lang="en-US" smtClean="0">
-                <a:solidFill>
-                  <a:schemeClr val="tx1"/>
-                </a:solidFill>
-              </a:rPr>
-              <a:t>multinomial coefficients</a:t>
-            </a:r>
-            <a:endParaRPr lang="en-US" dirty="0">
-              <a:solidFill>
-                <a:schemeClr val="tx1"/>
-              </a:solidFill>
-            </a:endParaRPr>
-          </a:p>
-        </p:txBody>
-      </p:sp>
-    </p:spTree>
-    <p:extLst>
-      <p:ext uri="{BB962C8B-B14F-4D97-AF65-F5344CB8AC3E}">
-        <p14:creationId xmlns:p14="http://schemas.microsoft.com/office/powerpoint/2010/main" val="716743365"/>
-      </p:ext>
-    </p:extLst>
-  </p:cSld>
-  <p:clrMapOvr>
-    <a:masterClrMapping/>
-  </p:clrMapOvr>
-  <p:transition xmlns:p14="http://schemas.microsoft.com/office/powerpoint/2010/main" spd="slow">
-    <p:fade/>
-  </p:transition>
-  <p:timing>
-    <p:tnLst>
-      <p:par>
-        <p:cTn xmlns:p14="http://schemas.microsoft.com/office/powerpoint/2010/main" id="1" dur="indefinite" restart="never" nodeType="tmRoot">
-          <p:childTnLst>
-            <p:seq concurrent="1" nextAc="seek">
-              <p:cTn id="2" dur="indefinite" nodeType="mainSeq">
-                <p:childTnLst>
-                  <p:par>
-                    <p:cTn id="3" fill="hold">
-                      <p:stCondLst>
-                        <p:cond delay="indefinite"/>
-                      </p:stCondLst>
-                      <p:childTnLst>
-                        <p:par>
-                          <p:cTn id="4" fill="hold">
-                            <p:stCondLst>
-                              <p:cond delay="0"/>
-                            </p:stCondLst>
-                            <p:childTnLst>
-                              <p:par>
-                                <p:cTn id="5" presetID="9" presetClass="entr" presetSubtype="0" fill="hold" grpId="1" nodeType="clickEffect">
-                                  <p:stCondLst>
-                                    <p:cond delay="0"/>
-                                  </p:stCondLst>
-                                  <p:childTnLst>
-                                    <p:set>
-                                      <p:cBhvr>
-                                        <p:cTn id="6" dur="1" fill="hold">
-                                          <p:stCondLst>
-                                            <p:cond delay="0"/>
-                                          </p:stCondLst>
-                                        </p:cTn>
-                                        <p:tgtEl>
-                                          <p:spTgt spid="587780"/>
-                                        </p:tgtEl>
-                                        <p:attrNameLst>
-                                          <p:attrName>style.visibility</p:attrName>
-                                        </p:attrNameLst>
-                                      </p:cBhvr>
-                                      <p:to>
-                                        <p:strVal val="visible"/>
-                                      </p:to>
-                                    </p:set>
-                                    <p:animEffect transition="in" filter="dissolve">
-                                      <p:cBhvr>
-                                        <p:cTn id="7" dur="500"/>
-                                        <p:tgtEl>
-                                          <p:spTgt spid="587780"/>
-                                        </p:tgtEl>
-                                      </p:cBhvr>
-                                    </p:animEffect>
-                                  </p:childTnLst>
-                                </p:cTn>
-                              </p:par>
-                            </p:childTnLst>
-                          </p:cTn>
-                        </p:par>
-                      </p:childTnLst>
-                    </p:cTn>
-                  </p:par>
-                </p:childTnLst>
-              </p:cTn>
-              <p:prevCondLst>
-                <p:cond evt="onPrev" delay="0">
-                  <p:tgtEl>
-                    <p:sldTgt/>
-                  </p:tgtEl>
-                </p:cond>
-              </p:prevCondLst>
-              <p:nextCondLst>
-                <p:cond evt="onNext" delay="0">
-                  <p:tgtEl>
-                    <p:sldTgt/>
-                  </p:tgtEl>
-                </p:cond>
-              </p:nextCondLst>
-            </p:seq>
-          </p:childTnLst>
-        </p:cTn>
-      </p:par>
-    </p:tnLst>
-    <p:bldLst>
-      <p:bldP spid="587780" grpId="1" animBg="1"/>
-    </p:bldLst>
   </p:timing>
 </p:sld>
 </file>
